--- a/docs/demonstration-2nd-phase/demonstration-2nd-phase.pptx
+++ b/docs/demonstration-2nd-phase/demonstration-2nd-phase.pptx
@@ -5,7 +5,7 @@
     <p:sldMasterId id="2147483648" r:id="rId1"/>
   </p:sldMasterIdLst>
   <p:notesMasterIdLst>
-    <p:notesMasterId r:id="rId11"/>
+    <p:notesMasterId r:id="rId10"/>
   </p:notesMasterIdLst>
   <p:sldIdLst>
     <p:sldId id="256" r:id="rId2"/>
@@ -13,10 +13,9 @@
     <p:sldId id="257" r:id="rId4"/>
     <p:sldId id="259" r:id="rId5"/>
     <p:sldId id="269" r:id="rId6"/>
-    <p:sldId id="270" r:id="rId7"/>
-    <p:sldId id="279" r:id="rId8"/>
+    <p:sldId id="279" r:id="rId7"/>
+    <p:sldId id="265" r:id="rId8"/>
     <p:sldId id="276" r:id="rId9"/>
-    <p:sldId id="265" r:id="rId10"/>
   </p:sldIdLst>
   <p:sldSz cx="12192000" cy="6858000"/>
   <p:notesSz cx="6858000" cy="9144000"/>
@@ -900,7 +899,7 @@
     </p:spTree>
     <p:extLst>
       <p:ext uri="{BB962C8B-B14F-4D97-AF65-F5344CB8AC3E}">
-        <p14:creationId xmlns:p14="http://schemas.microsoft.com/office/powerpoint/2010/main" val="1949837133"/>
+        <p14:creationId xmlns:p14="http://schemas.microsoft.com/office/powerpoint/2010/main" val="948851562"/>
       </p:ext>
     </p:extLst>
   </p:cSld>
@@ -984,7 +983,7 @@
     </p:spTree>
     <p:extLst>
       <p:ext uri="{BB962C8B-B14F-4D97-AF65-F5344CB8AC3E}">
-        <p14:creationId xmlns:p14="http://schemas.microsoft.com/office/powerpoint/2010/main" val="948851562"/>
+        <p14:creationId xmlns:p14="http://schemas.microsoft.com/office/powerpoint/2010/main" val="4221033489"/>
       </p:ext>
     </p:extLst>
   </p:cSld>
@@ -1069,90 +1068,6 @@
     <p:extLst>
       <p:ext uri="{BB962C8B-B14F-4D97-AF65-F5344CB8AC3E}">
         <p14:creationId xmlns:p14="http://schemas.microsoft.com/office/powerpoint/2010/main" val="1357454804"/>
-      </p:ext>
-    </p:extLst>
-  </p:cSld>
-  <p:clrMapOvr>
-    <a:masterClrMapping/>
-  </p:clrMapOvr>
-</p:notes>
-</file>
-
-<file path=ppt/notesSlides/notesSlide6.xml><?xml version="1.0" encoding="utf-8"?>
-<p:notes xmlns:a="http://schemas.openxmlformats.org/drawingml/2006/main" xmlns:r="http://schemas.openxmlformats.org/officeDocument/2006/relationships" xmlns:p="http://schemas.openxmlformats.org/presentationml/2006/main">
-  <p:cSld>
-    <p:spTree>
-      <p:nvGrpSpPr>
-        <p:cNvPr id="1" name=""/>
-        <p:cNvGrpSpPr/>
-        <p:nvPr/>
-      </p:nvGrpSpPr>
-      <p:grpSpPr>
-        <a:xfrm>
-          <a:off x="0" y="0"/>
-          <a:ext cx="0" cy="0"/>
-          <a:chOff x="0" y="0"/>
-          <a:chExt cx="0" cy="0"/>
-        </a:xfrm>
-      </p:grpSpPr>
-      <p:sp>
-        <p:nvSpPr>
-          <p:cNvPr id="2" name="Marcador de Posição da Imagem do Diapositivo 1"/>
-          <p:cNvSpPr>
-            <a:spLocks noGrp="1" noRot="1" noChangeAspect="1"/>
-          </p:cNvSpPr>
-          <p:nvPr>
-            <p:ph type="sldImg"/>
-          </p:nvPr>
-        </p:nvSpPr>
-        <p:spPr/>
-      </p:sp>
-      <p:sp>
-        <p:nvSpPr>
-          <p:cNvPr id="3" name="Marcador de Posição de Notas 2"/>
-          <p:cNvSpPr>
-            <a:spLocks noGrp="1"/>
-          </p:cNvSpPr>
-          <p:nvPr>
-            <p:ph type="body" idx="1"/>
-          </p:nvPr>
-        </p:nvSpPr>
-        <p:spPr/>
-        <p:txBody>
-          <a:bodyPr/>
-          <a:lstStyle/>
-          <a:p>
-            <a:endParaRPr lang="pt-PT" dirty="0"/>
-          </a:p>
-        </p:txBody>
-      </p:sp>
-      <p:sp>
-        <p:nvSpPr>
-          <p:cNvPr id="4" name="Marcador de Posição do Número do Diapositivo 3"/>
-          <p:cNvSpPr>
-            <a:spLocks noGrp="1"/>
-          </p:cNvSpPr>
-          <p:nvPr>
-            <p:ph type="sldNum" sz="quarter" idx="5"/>
-          </p:nvPr>
-        </p:nvSpPr>
-        <p:spPr/>
-        <p:txBody>
-          <a:bodyPr/>
-          <a:lstStyle/>
-          <a:p>
-            <a:fld id="{94CA1B7B-AC94-4A5F-A3AF-BA18A1FB115E}" type="slidenum">
-              <a:rPr lang="pt-PT" smtClean="0"/>
-              <a:t>9</a:t>
-            </a:fld>
-            <a:endParaRPr lang="pt-PT"/>
-          </a:p>
-        </p:txBody>
-      </p:sp>
-    </p:spTree>
-    <p:extLst>
-      <p:ext uri="{BB962C8B-B14F-4D97-AF65-F5344CB8AC3E}">
-        <p14:creationId xmlns:p14="http://schemas.microsoft.com/office/powerpoint/2010/main" val="4221033489"/>
       </p:ext>
     </p:extLst>
   </p:cSld>
@@ -10494,971 +10409,6 @@
             </a:pathLst>
           </a:custGeom>
           <a:solidFill>
-            <a:srgbClr val="3F4853"/>
-          </a:solidFill>
-          <a:ln>
-            <a:noFill/>
-          </a:ln>
-        </p:spPr>
-        <p:txBody>
-          <a:bodyPr spcFirstLastPara="1" wrap="square" lIns="91425" tIns="91425" rIns="91425" bIns="91425" anchor="ctr" anchorCtr="0">
-            <a:noAutofit/>
-          </a:bodyPr>
-          <a:lstStyle/>
-          <a:p>
-            <a:pPr marL="0" marR="0" lvl="0" indent="0" defTabSz="914400" eaLnBrk="1" fontAlgn="auto" latinLnBrk="0" hangingPunct="1">
-              <a:lnSpc>
-                <a:spcPct val="100000"/>
-              </a:lnSpc>
-              <a:spcBef>
-                <a:spcPts val="0"/>
-              </a:spcBef>
-              <a:spcAft>
-                <a:spcPts val="0"/>
-              </a:spcAft>
-              <a:buClr>
-                <a:srgbClr val="000000"/>
-              </a:buClr>
-              <a:buSzTx/>
-              <a:buFont typeface="Arial"/>
-              <a:buNone/>
-              <a:tabLst/>
-              <a:defRPr/>
-            </a:pPr>
-            <a:endParaRPr kumimoji="0" sz="1400" b="0" i="0" u="none" strike="noStrike" kern="0" cap="none" spc="0" normalizeH="0" baseline="0" noProof="0">
-              <a:ln>
-                <a:noFill/>
-              </a:ln>
-              <a:solidFill>
-                <a:srgbClr val="000000"/>
-              </a:solidFill>
-              <a:effectLst/>
-              <a:uLnTx/>
-              <a:uFillTx/>
-              <a:latin typeface="Arial"/>
-              <a:cs typeface="Arial"/>
-              <a:sym typeface="Arial"/>
-            </a:endParaRPr>
-          </a:p>
-        </p:txBody>
-      </p:sp>
-      <p:sp>
-        <p:nvSpPr>
-          <p:cNvPr id="7" name="Google Shape;296;p37">
-            <a:extLst>
-              <a:ext uri="{FF2B5EF4-FFF2-40B4-BE49-F238E27FC236}">
-                <a16:creationId xmlns:a16="http://schemas.microsoft.com/office/drawing/2014/main" id="{3D7AB695-BD0C-4E75-8783-E697EBED0E05}"/>
-              </a:ext>
-            </a:extLst>
-          </p:cNvPr>
-          <p:cNvSpPr txBox="1">
-            <a:spLocks/>
-          </p:cNvSpPr>
-          <p:nvPr/>
-        </p:nvSpPr>
-        <p:spPr>
-          <a:xfrm>
-            <a:off x="593554" y="383132"/>
-            <a:ext cx="6885581" cy="631554"/>
-          </a:xfrm>
-          <a:prstGeom prst="rect">
-            <a:avLst/>
-          </a:prstGeom>
-          <a:noFill/>
-          <a:ln>
-            <a:noFill/>
-          </a:ln>
-        </p:spPr>
-        <p:txBody>
-          <a:bodyPr spcFirstLastPara="1" wrap="square" lIns="0" tIns="0" rIns="0" bIns="0" anchor="t" anchorCtr="0">
-            <a:noAutofit/>
-          </a:bodyPr>
-          <a:lstStyle>
-            <a:defPPr marR="0" lvl="0" algn="l" rtl="0">
-              <a:lnSpc>
-                <a:spcPct val="100000"/>
-              </a:lnSpc>
-              <a:spcBef>
-                <a:spcPts val="0"/>
-              </a:spcBef>
-              <a:spcAft>
-                <a:spcPts val="0"/>
-              </a:spcAft>
-            </a:defPPr>
-            <a:lvl1pPr marL="0" marR="0" lvl="0" indent="0" algn="l" rtl="0">
-              <a:lnSpc>
-                <a:spcPct val="90000"/>
-              </a:lnSpc>
-              <a:spcBef>
-                <a:spcPts val="0"/>
-              </a:spcBef>
-              <a:spcAft>
-                <a:spcPts val="0"/>
-              </a:spcAft>
-              <a:buClr>
-                <a:schemeClr val="dk2"/>
-              </a:buClr>
-              <a:buSzPts val="5200"/>
-              <a:buFont typeface="Commissioner"/>
-              <a:buNone/>
-              <a:defRPr sz="5000" b="0" i="0" u="none" strike="noStrike" cap="none">
-                <a:solidFill>
-                  <a:schemeClr val="dk2"/>
-                </a:solidFill>
-                <a:latin typeface="Commissioner ExtraBold"/>
-                <a:ea typeface="Commissioner ExtraBold"/>
-                <a:cs typeface="Commissioner ExtraBold"/>
-                <a:sym typeface="Commissioner ExtraBold"/>
-              </a:defRPr>
-            </a:lvl1pPr>
-            <a:lvl2pPr marR="0" lvl="1" algn="ctr" rtl="0">
-              <a:lnSpc>
-                <a:spcPct val="100000"/>
-              </a:lnSpc>
-              <a:spcBef>
-                <a:spcPts val="0"/>
-              </a:spcBef>
-              <a:spcAft>
-                <a:spcPts val="0"/>
-              </a:spcAft>
-              <a:buClr>
-                <a:schemeClr val="dk2"/>
-              </a:buClr>
-              <a:buSzPts val="5200"/>
-              <a:buFont typeface="Barlow SemiBold"/>
-              <a:buNone/>
-              <a:defRPr sz="5200" b="0" i="0" u="none" strike="noStrike" cap="none">
-                <a:solidFill>
-                  <a:schemeClr val="dk2"/>
-                </a:solidFill>
-                <a:latin typeface="Barlow SemiBold"/>
-                <a:ea typeface="Barlow SemiBold"/>
-                <a:cs typeface="Barlow SemiBold"/>
-                <a:sym typeface="Barlow SemiBold"/>
-              </a:defRPr>
-            </a:lvl2pPr>
-            <a:lvl3pPr marR="0" lvl="2" algn="ctr" rtl="0">
-              <a:lnSpc>
-                <a:spcPct val="100000"/>
-              </a:lnSpc>
-              <a:spcBef>
-                <a:spcPts val="0"/>
-              </a:spcBef>
-              <a:spcAft>
-                <a:spcPts val="0"/>
-              </a:spcAft>
-              <a:buClr>
-                <a:schemeClr val="dk2"/>
-              </a:buClr>
-              <a:buSzPts val="5200"/>
-              <a:buFont typeface="Barlow SemiBold"/>
-              <a:buNone/>
-              <a:defRPr sz="5200" b="0" i="0" u="none" strike="noStrike" cap="none">
-                <a:solidFill>
-                  <a:schemeClr val="dk2"/>
-                </a:solidFill>
-                <a:latin typeface="Barlow SemiBold"/>
-                <a:ea typeface="Barlow SemiBold"/>
-                <a:cs typeface="Barlow SemiBold"/>
-                <a:sym typeface="Barlow SemiBold"/>
-              </a:defRPr>
-            </a:lvl3pPr>
-            <a:lvl4pPr marR="0" lvl="3" algn="ctr" rtl="0">
-              <a:lnSpc>
-                <a:spcPct val="100000"/>
-              </a:lnSpc>
-              <a:spcBef>
-                <a:spcPts val="0"/>
-              </a:spcBef>
-              <a:spcAft>
-                <a:spcPts val="0"/>
-              </a:spcAft>
-              <a:buClr>
-                <a:schemeClr val="dk2"/>
-              </a:buClr>
-              <a:buSzPts val="5200"/>
-              <a:buFont typeface="Barlow SemiBold"/>
-              <a:buNone/>
-              <a:defRPr sz="5200" b="0" i="0" u="none" strike="noStrike" cap="none">
-                <a:solidFill>
-                  <a:schemeClr val="dk2"/>
-                </a:solidFill>
-                <a:latin typeface="Barlow SemiBold"/>
-                <a:ea typeface="Barlow SemiBold"/>
-                <a:cs typeface="Barlow SemiBold"/>
-                <a:sym typeface="Barlow SemiBold"/>
-              </a:defRPr>
-            </a:lvl4pPr>
-            <a:lvl5pPr marR="0" lvl="4" algn="ctr" rtl="0">
-              <a:lnSpc>
-                <a:spcPct val="100000"/>
-              </a:lnSpc>
-              <a:spcBef>
-                <a:spcPts val="0"/>
-              </a:spcBef>
-              <a:spcAft>
-                <a:spcPts val="0"/>
-              </a:spcAft>
-              <a:buClr>
-                <a:schemeClr val="dk2"/>
-              </a:buClr>
-              <a:buSzPts val="5200"/>
-              <a:buFont typeface="Barlow SemiBold"/>
-              <a:buNone/>
-              <a:defRPr sz="5200" b="0" i="0" u="none" strike="noStrike" cap="none">
-                <a:solidFill>
-                  <a:schemeClr val="dk2"/>
-                </a:solidFill>
-                <a:latin typeface="Barlow SemiBold"/>
-                <a:ea typeface="Barlow SemiBold"/>
-                <a:cs typeface="Barlow SemiBold"/>
-                <a:sym typeface="Barlow SemiBold"/>
-              </a:defRPr>
-            </a:lvl5pPr>
-            <a:lvl6pPr marR="0" lvl="5" algn="ctr" rtl="0">
-              <a:lnSpc>
-                <a:spcPct val="100000"/>
-              </a:lnSpc>
-              <a:spcBef>
-                <a:spcPts val="0"/>
-              </a:spcBef>
-              <a:spcAft>
-                <a:spcPts val="0"/>
-              </a:spcAft>
-              <a:buClr>
-                <a:schemeClr val="dk2"/>
-              </a:buClr>
-              <a:buSzPts val="5200"/>
-              <a:buFont typeface="Barlow SemiBold"/>
-              <a:buNone/>
-              <a:defRPr sz="5200" b="0" i="0" u="none" strike="noStrike" cap="none">
-                <a:solidFill>
-                  <a:schemeClr val="dk2"/>
-                </a:solidFill>
-                <a:latin typeface="Barlow SemiBold"/>
-                <a:ea typeface="Barlow SemiBold"/>
-                <a:cs typeface="Barlow SemiBold"/>
-                <a:sym typeface="Barlow SemiBold"/>
-              </a:defRPr>
-            </a:lvl6pPr>
-            <a:lvl7pPr marR="0" lvl="6" algn="ctr" rtl="0">
-              <a:lnSpc>
-                <a:spcPct val="100000"/>
-              </a:lnSpc>
-              <a:spcBef>
-                <a:spcPts val="0"/>
-              </a:spcBef>
-              <a:spcAft>
-                <a:spcPts val="0"/>
-              </a:spcAft>
-              <a:buClr>
-                <a:schemeClr val="dk2"/>
-              </a:buClr>
-              <a:buSzPts val="5200"/>
-              <a:buFont typeface="Barlow SemiBold"/>
-              <a:buNone/>
-              <a:defRPr sz="5200" b="0" i="0" u="none" strike="noStrike" cap="none">
-                <a:solidFill>
-                  <a:schemeClr val="dk2"/>
-                </a:solidFill>
-                <a:latin typeface="Barlow SemiBold"/>
-                <a:ea typeface="Barlow SemiBold"/>
-                <a:cs typeface="Barlow SemiBold"/>
-                <a:sym typeface="Barlow SemiBold"/>
-              </a:defRPr>
-            </a:lvl7pPr>
-            <a:lvl8pPr marR="0" lvl="7" algn="ctr" rtl="0">
-              <a:lnSpc>
-                <a:spcPct val="100000"/>
-              </a:lnSpc>
-              <a:spcBef>
-                <a:spcPts val="0"/>
-              </a:spcBef>
-              <a:spcAft>
-                <a:spcPts val="0"/>
-              </a:spcAft>
-              <a:buClr>
-                <a:schemeClr val="dk2"/>
-              </a:buClr>
-              <a:buSzPts val="5200"/>
-              <a:buFont typeface="Barlow SemiBold"/>
-              <a:buNone/>
-              <a:defRPr sz="5200" b="0" i="0" u="none" strike="noStrike" cap="none">
-                <a:solidFill>
-                  <a:schemeClr val="dk2"/>
-                </a:solidFill>
-                <a:latin typeface="Barlow SemiBold"/>
-                <a:ea typeface="Barlow SemiBold"/>
-                <a:cs typeface="Barlow SemiBold"/>
-                <a:sym typeface="Barlow SemiBold"/>
-              </a:defRPr>
-            </a:lvl8pPr>
-            <a:lvl9pPr marR="0" lvl="8" algn="ctr" rtl="0">
-              <a:lnSpc>
-                <a:spcPct val="100000"/>
-              </a:lnSpc>
-              <a:spcBef>
-                <a:spcPts val="0"/>
-              </a:spcBef>
-              <a:spcAft>
-                <a:spcPts val="0"/>
-              </a:spcAft>
-              <a:buClr>
-                <a:schemeClr val="dk2"/>
-              </a:buClr>
-              <a:buSzPts val="5200"/>
-              <a:buFont typeface="Barlow SemiBold"/>
-              <a:buNone/>
-              <a:defRPr sz="5200" b="0" i="0" u="none" strike="noStrike" cap="none">
-                <a:solidFill>
-                  <a:schemeClr val="dk2"/>
-                </a:solidFill>
-                <a:latin typeface="Barlow SemiBold"/>
-                <a:ea typeface="Barlow SemiBold"/>
-                <a:cs typeface="Barlow SemiBold"/>
-                <a:sym typeface="Barlow SemiBold"/>
-              </a:defRPr>
-            </a:lvl9pPr>
-          </a:lstStyle>
-          <a:p>
-            <a:pPr marL="0" marR="0" lvl="0" indent="0" algn="l" defTabSz="914400" rtl="0" eaLnBrk="1" fontAlgn="auto" latinLnBrk="0" hangingPunct="1">
-              <a:lnSpc>
-                <a:spcPct val="90000"/>
-              </a:lnSpc>
-              <a:spcBef>
-                <a:spcPts val="0"/>
-              </a:spcBef>
-              <a:spcAft>
-                <a:spcPts val="0"/>
-              </a:spcAft>
-              <a:buClr>
-                <a:srgbClr val="164A4A"/>
-              </a:buClr>
-              <a:buSzPts val="5200"/>
-              <a:buFont typeface="Commissioner"/>
-              <a:buNone/>
-              <a:tabLst/>
-              <a:defRPr/>
-            </a:pPr>
-            <a:r>
-              <a:rPr kumimoji="0" lang="en-US" sz="5000" b="1" i="0" u="none" strike="noStrike" kern="0" cap="none" spc="0" normalizeH="0" baseline="0" noProof="0" dirty="0" err="1">
-                <a:ln>
-                  <a:noFill/>
-                </a:ln>
-                <a:solidFill>
-                  <a:srgbClr val="3D4D55"/>
-                </a:solidFill>
-                <a:effectLst/>
-                <a:uLnTx/>
-                <a:uFillTx/>
-                <a:latin typeface="Arial" panose="020B0604020202020204" pitchFamily="34" charset="0"/>
-                <a:cs typeface="Arial" panose="020B0604020202020204" pitchFamily="34" charset="0"/>
-                <a:sym typeface="Commissioner ExtraBold"/>
-              </a:rPr>
-              <a:t>Modelo</a:t>
-            </a:r>
-            <a:r>
-              <a:rPr kumimoji="0" lang="en-US" sz="5000" b="1" i="0" u="none" strike="noStrike" kern="0" cap="none" spc="0" normalizeH="0" baseline="0" noProof="0" dirty="0">
-                <a:ln>
-                  <a:noFill/>
-                </a:ln>
-                <a:solidFill>
-                  <a:srgbClr val="3D4D55"/>
-                </a:solidFill>
-                <a:effectLst/>
-                <a:uLnTx/>
-                <a:uFillTx/>
-                <a:latin typeface="Arial" panose="020B0604020202020204" pitchFamily="34" charset="0"/>
-                <a:cs typeface="Arial" panose="020B0604020202020204" pitchFamily="34" charset="0"/>
-                <a:sym typeface="Commissioner ExtraBold"/>
-              </a:rPr>
-              <a:t> de dados</a:t>
-            </a:r>
-          </a:p>
-        </p:txBody>
-      </p:sp>
-      <p:sp>
-        <p:nvSpPr>
-          <p:cNvPr id="9" name="Google Shape;1460;p74">
-            <a:extLst>
-              <a:ext uri="{FF2B5EF4-FFF2-40B4-BE49-F238E27FC236}">
-                <a16:creationId xmlns:a16="http://schemas.microsoft.com/office/drawing/2014/main" id="{D1F998ED-C0F8-F98C-374B-0151B38AD950}"/>
-              </a:ext>
-            </a:extLst>
-          </p:cNvPr>
-          <p:cNvSpPr/>
-          <p:nvPr/>
-        </p:nvSpPr>
-        <p:spPr>
-          <a:xfrm rot="9642873">
-            <a:off x="-447547" y="3897933"/>
-            <a:ext cx="3472201" cy="3722914"/>
-          </a:xfrm>
-          <a:custGeom>
-            <a:avLst/>
-            <a:gdLst/>
-            <a:ahLst/>
-            <a:cxnLst/>
-            <a:rect l="l" t="t" r="r" b="b"/>
-            <a:pathLst>
-              <a:path w="146265" h="156112" extrusionOk="0">
-                <a:moveTo>
-                  <a:pt x="5411" y="0"/>
-                </a:moveTo>
-                <a:cubicBezTo>
-                  <a:pt x="5411" y="0"/>
-                  <a:pt x="1" y="28329"/>
-                  <a:pt x="20548" y="36870"/>
-                </a:cubicBezTo>
-                <a:cubicBezTo>
-                  <a:pt x="24058" y="38329"/>
-                  <a:pt x="27694" y="38893"/>
-                  <a:pt x="31373" y="38893"/>
-                </a:cubicBezTo>
-                <a:cubicBezTo>
-                  <a:pt x="43912" y="38893"/>
-                  <a:pt x="56943" y="32338"/>
-                  <a:pt x="67152" y="32338"/>
-                </a:cubicBezTo>
-                <a:cubicBezTo>
-                  <a:pt x="71479" y="32338"/>
-                  <a:pt x="75300" y="33516"/>
-                  <a:pt x="78361" y="36870"/>
-                </a:cubicBezTo>
-                <a:cubicBezTo>
-                  <a:pt x="90793" y="50426"/>
-                  <a:pt x="72190" y="65958"/>
-                  <a:pt x="96993" y="74500"/>
-                </a:cubicBezTo>
-                <a:cubicBezTo>
-                  <a:pt x="105899" y="77600"/>
-                  <a:pt x="114015" y="83740"/>
-                  <a:pt x="115717" y="93497"/>
-                </a:cubicBezTo>
-                <a:cubicBezTo>
-                  <a:pt x="117814" y="105503"/>
-                  <a:pt x="109060" y="112403"/>
-                  <a:pt x="105504" y="122646"/>
-                </a:cubicBezTo>
-                <a:cubicBezTo>
-                  <a:pt x="103559" y="128148"/>
-                  <a:pt x="104744" y="135078"/>
-                  <a:pt x="107024" y="140245"/>
-                </a:cubicBezTo>
-                <a:cubicBezTo>
-                  <a:pt x="109699" y="146294"/>
-                  <a:pt x="114501" y="151218"/>
-                  <a:pt x="120580" y="153832"/>
-                </a:cubicBezTo>
-                <a:cubicBezTo>
-                  <a:pt x="124167" y="155413"/>
-                  <a:pt x="128027" y="156081"/>
-                  <a:pt x="131918" y="156112"/>
-                </a:cubicBezTo>
-                <a:cubicBezTo>
-                  <a:pt x="133438" y="156112"/>
-                  <a:pt x="146265" y="155200"/>
-                  <a:pt x="146265" y="153650"/>
-                </a:cubicBezTo>
-                <a:lnTo>
-                  <a:pt x="146265" y="0"/>
-                </a:lnTo>
-                <a:close/>
-              </a:path>
-            </a:pathLst>
-          </a:custGeom>
-          <a:solidFill>
-            <a:srgbClr val="ACDBD3"/>
-          </a:solidFill>
-          <a:ln>
-            <a:noFill/>
-          </a:ln>
-        </p:spPr>
-        <p:txBody>
-          <a:bodyPr spcFirstLastPara="1" wrap="square" lIns="91425" tIns="91425" rIns="91425" bIns="91425" anchor="ctr" anchorCtr="0">
-            <a:noAutofit/>
-          </a:bodyPr>
-          <a:lstStyle/>
-          <a:p>
-            <a:pPr marL="0" marR="0" lvl="0" indent="0" defTabSz="914400" eaLnBrk="1" fontAlgn="auto" latinLnBrk="0" hangingPunct="1">
-              <a:lnSpc>
-                <a:spcPct val="100000"/>
-              </a:lnSpc>
-              <a:spcBef>
-                <a:spcPts val="0"/>
-              </a:spcBef>
-              <a:spcAft>
-                <a:spcPts val="0"/>
-              </a:spcAft>
-              <a:buClr>
-                <a:srgbClr val="000000"/>
-              </a:buClr>
-              <a:buSzTx/>
-              <a:buFont typeface="Arial"/>
-              <a:buNone/>
-              <a:tabLst/>
-              <a:defRPr/>
-            </a:pPr>
-            <a:endParaRPr kumimoji="0" sz="1400" b="0" i="0" u="none" strike="noStrike" kern="0" cap="none" spc="0" normalizeH="0" baseline="0" noProof="0">
-              <a:ln>
-                <a:noFill/>
-              </a:ln>
-              <a:solidFill>
-                <a:srgbClr val="000000"/>
-              </a:solidFill>
-              <a:effectLst/>
-              <a:uLnTx/>
-              <a:uFillTx/>
-              <a:latin typeface="Arial"/>
-              <a:cs typeface="Arial"/>
-              <a:sym typeface="Arial"/>
-            </a:endParaRPr>
-          </a:p>
-        </p:txBody>
-      </p:sp>
-      <p:sp>
-        <p:nvSpPr>
-          <p:cNvPr id="12" name="Google Shape;1459;p74">
-            <a:extLst>
-              <a:ext uri="{FF2B5EF4-FFF2-40B4-BE49-F238E27FC236}">
-                <a16:creationId xmlns:a16="http://schemas.microsoft.com/office/drawing/2014/main" id="{9F8BE949-C935-C8B4-DDD3-C528C8246C5D}"/>
-              </a:ext>
-            </a:extLst>
-          </p:cNvPr>
-          <p:cNvSpPr/>
-          <p:nvPr/>
-        </p:nvSpPr>
-        <p:spPr>
-          <a:xfrm>
-            <a:off x="10555358" y="-719069"/>
-            <a:ext cx="2534024" cy="1975801"/>
-          </a:xfrm>
-          <a:custGeom>
-            <a:avLst/>
-            <a:gdLst/>
-            <a:ahLst/>
-            <a:cxnLst/>
-            <a:rect l="l" t="t" r="r" b="b"/>
-            <a:pathLst>
-              <a:path w="97966" h="76385" fill="none" extrusionOk="0">
-                <a:moveTo>
-                  <a:pt x="608" y="34743"/>
-                </a:moveTo>
-                <a:cubicBezTo>
-                  <a:pt x="973" y="28967"/>
-                  <a:pt x="3769" y="23618"/>
-                  <a:pt x="8207" y="19849"/>
-                </a:cubicBezTo>
-                <a:cubicBezTo>
-                  <a:pt x="17083" y="12402"/>
-                  <a:pt x="36931" y="0"/>
-                  <a:pt x="62707" y="10396"/>
-                </a:cubicBezTo>
-                <a:cubicBezTo>
-                  <a:pt x="97966" y="24590"/>
-                  <a:pt x="91734" y="64925"/>
-                  <a:pt x="64895" y="73771"/>
-                </a:cubicBezTo>
-                <a:cubicBezTo>
-                  <a:pt x="56962" y="76385"/>
-                  <a:pt x="49028" y="75594"/>
-                  <a:pt x="42463" y="70275"/>
-                </a:cubicBezTo>
-                <a:cubicBezTo>
-                  <a:pt x="37812" y="66506"/>
-                  <a:pt x="35107" y="61126"/>
-                  <a:pt x="31004" y="56901"/>
-                </a:cubicBezTo>
-                <a:cubicBezTo>
-                  <a:pt x="27296" y="53071"/>
-                  <a:pt x="23526" y="53132"/>
-                  <a:pt x="18390" y="52706"/>
-                </a:cubicBezTo>
-                <a:cubicBezTo>
-                  <a:pt x="8602" y="51916"/>
-                  <a:pt x="0" y="45199"/>
-                  <a:pt x="608" y="34743"/>
-                </a:cubicBezTo>
-                <a:close/>
-              </a:path>
-            </a:pathLst>
-          </a:custGeom>
-          <a:noFill/>
-          <a:ln w="9875" cap="rnd" cmpd="sng">
-            <a:solidFill>
-              <a:srgbClr val="3F4853"/>
-            </a:solidFill>
-            <a:prstDash val="solid"/>
-            <a:round/>
-            <a:headEnd type="none" w="sm" len="sm"/>
-            <a:tailEnd type="none" w="sm" len="sm"/>
-          </a:ln>
-        </p:spPr>
-        <p:txBody>
-          <a:bodyPr spcFirstLastPara="1" wrap="square" lIns="91425" tIns="91425" rIns="91425" bIns="91425" anchor="ctr" anchorCtr="0">
-            <a:noAutofit/>
-          </a:bodyPr>
-          <a:lstStyle/>
-          <a:p>
-            <a:pPr marL="0" marR="0" lvl="0" indent="0" defTabSz="914400" eaLnBrk="1" fontAlgn="auto" latinLnBrk="0" hangingPunct="1">
-              <a:lnSpc>
-                <a:spcPct val="100000"/>
-              </a:lnSpc>
-              <a:spcBef>
-                <a:spcPts val="0"/>
-              </a:spcBef>
-              <a:spcAft>
-                <a:spcPts val="0"/>
-              </a:spcAft>
-              <a:buClr>
-                <a:srgbClr val="000000"/>
-              </a:buClr>
-              <a:buSzTx/>
-              <a:buFont typeface="Arial"/>
-              <a:buNone/>
-              <a:tabLst/>
-              <a:defRPr/>
-            </a:pPr>
-            <a:endParaRPr kumimoji="0" sz="1400" b="0" i="0" u="none" strike="noStrike" kern="0" cap="none" spc="0" normalizeH="0" baseline="0" noProof="0">
-              <a:ln>
-                <a:noFill/>
-              </a:ln>
-              <a:solidFill>
-                <a:srgbClr val="000000"/>
-              </a:solidFill>
-              <a:effectLst/>
-              <a:uLnTx/>
-              <a:uFillTx/>
-              <a:latin typeface="Arial"/>
-              <a:cs typeface="Arial"/>
-              <a:sym typeface="Arial"/>
-            </a:endParaRPr>
-          </a:p>
-        </p:txBody>
-      </p:sp>
-      <p:sp>
-        <p:nvSpPr>
-          <p:cNvPr id="14" name="Google Shape;1458;p74">
-            <a:extLst>
-              <a:ext uri="{FF2B5EF4-FFF2-40B4-BE49-F238E27FC236}">
-                <a16:creationId xmlns:a16="http://schemas.microsoft.com/office/drawing/2014/main" id="{633FD01B-ABC4-69D0-7AAC-909B3022F502}"/>
-              </a:ext>
-            </a:extLst>
-          </p:cNvPr>
-          <p:cNvSpPr/>
-          <p:nvPr/>
-        </p:nvSpPr>
-        <p:spPr>
-          <a:xfrm>
-            <a:off x="11209933" y="698909"/>
-            <a:ext cx="1224873" cy="1366944"/>
-          </a:xfrm>
-          <a:custGeom>
-            <a:avLst/>
-            <a:gdLst/>
-            <a:ahLst/>
-            <a:cxnLst/>
-            <a:rect l="l" t="t" r="r" b="b"/>
-            <a:pathLst>
-              <a:path w="77206" h="86161" extrusionOk="0">
-                <a:moveTo>
-                  <a:pt x="43626" y="0"/>
-                </a:moveTo>
-                <a:cubicBezTo>
-                  <a:pt x="31498" y="0"/>
-                  <a:pt x="18907" y="6868"/>
-                  <a:pt x="11551" y="22967"/>
-                </a:cubicBezTo>
-                <a:cubicBezTo>
-                  <a:pt x="1" y="48195"/>
-                  <a:pt x="11521" y="68591"/>
-                  <a:pt x="18542" y="77801"/>
-                </a:cubicBezTo>
-                <a:cubicBezTo>
-                  <a:pt x="22068" y="82421"/>
-                  <a:pt x="27266" y="85460"/>
-                  <a:pt x="33041" y="86068"/>
-                </a:cubicBezTo>
-                <a:cubicBezTo>
-                  <a:pt x="33654" y="86131"/>
-                  <a:pt x="34255" y="86161"/>
-                  <a:pt x="34845" y="86161"/>
-                </a:cubicBezTo>
-                <a:cubicBezTo>
-                  <a:pt x="44307" y="86161"/>
-                  <a:pt x="50652" y="78321"/>
-                  <a:pt x="51826" y="69107"/>
-                </a:cubicBezTo>
-                <a:cubicBezTo>
-                  <a:pt x="52464" y="64001"/>
-                  <a:pt x="52585" y="60262"/>
-                  <a:pt x="56567" y="56706"/>
-                </a:cubicBezTo>
-                <a:cubicBezTo>
-                  <a:pt x="60944" y="52785"/>
-                  <a:pt x="66476" y="50323"/>
-                  <a:pt x="70428" y="45855"/>
-                </a:cubicBezTo>
-                <a:cubicBezTo>
-                  <a:pt x="76081" y="39563"/>
-                  <a:pt x="77206" y="31660"/>
-                  <a:pt x="74957" y="23605"/>
-                </a:cubicBezTo>
-                <a:cubicBezTo>
-                  <a:pt x="70878" y="9062"/>
-                  <a:pt x="57557" y="0"/>
-                  <a:pt x="43626" y="0"/>
-                </a:cubicBezTo>
-                <a:close/>
-              </a:path>
-            </a:pathLst>
-          </a:custGeom>
-          <a:solidFill>
-            <a:srgbClr val="81B5A8"/>
-          </a:solidFill>
-          <a:ln>
-            <a:noFill/>
-          </a:ln>
-        </p:spPr>
-        <p:txBody>
-          <a:bodyPr spcFirstLastPara="1" wrap="square" lIns="91425" tIns="91425" rIns="91425" bIns="91425" anchor="ctr" anchorCtr="0">
-            <a:noAutofit/>
-          </a:bodyPr>
-          <a:lstStyle/>
-          <a:p>
-            <a:pPr marL="0" marR="0" lvl="0" indent="0" defTabSz="914400" eaLnBrk="1" fontAlgn="auto" latinLnBrk="0" hangingPunct="1">
-              <a:lnSpc>
-                <a:spcPct val="100000"/>
-              </a:lnSpc>
-              <a:spcBef>
-                <a:spcPts val="0"/>
-              </a:spcBef>
-              <a:spcAft>
-                <a:spcPts val="0"/>
-              </a:spcAft>
-              <a:buClr>
-                <a:srgbClr val="000000"/>
-              </a:buClr>
-              <a:buSzTx/>
-              <a:buFont typeface="Arial"/>
-              <a:buNone/>
-              <a:tabLst/>
-              <a:defRPr/>
-            </a:pPr>
-            <a:endParaRPr kumimoji="0" sz="1400" b="0" i="0" u="none" strike="noStrike" kern="0" cap="none" spc="0" normalizeH="0" baseline="0" noProof="0">
-              <a:ln>
-                <a:noFill/>
-              </a:ln>
-              <a:solidFill>
-                <a:srgbClr val="000000"/>
-              </a:solidFill>
-              <a:effectLst/>
-              <a:uLnTx/>
-              <a:uFillTx/>
-              <a:latin typeface="Arial"/>
-              <a:cs typeface="Arial"/>
-              <a:sym typeface="Arial"/>
-            </a:endParaRPr>
-          </a:p>
-        </p:txBody>
-      </p:sp>
-      <p:pic>
-        <p:nvPicPr>
-          <p:cNvPr id="15" name="Imagem 14">
-            <a:extLst>
-              <a:ext uri="{FF2B5EF4-FFF2-40B4-BE49-F238E27FC236}">
-                <a16:creationId xmlns:a16="http://schemas.microsoft.com/office/drawing/2014/main" id="{5E3DE74F-5B2C-64F3-CCF2-D67C560CA1D6}"/>
-              </a:ext>
-            </a:extLst>
-          </p:cNvPr>
-          <p:cNvPicPr>
-            <a:picLocks noChangeAspect="1"/>
-          </p:cNvPicPr>
-          <p:nvPr/>
-        </p:nvPicPr>
-        <p:blipFill>
-          <a:blip r:embed="rId3">
-            <a:extLst>
-              <a:ext uri="{28A0092B-C50C-407E-A947-70E740481C1C}">
-                <a14:useLocalDpi xmlns:a14="http://schemas.microsoft.com/office/drawing/2010/main" val="0"/>
-              </a:ext>
-            </a:extLst>
-          </a:blip>
-          <a:stretch>
-            <a:fillRect/>
-          </a:stretch>
-        </p:blipFill>
-        <p:spPr>
-          <a:xfrm>
-            <a:off x="1697174" y="1400513"/>
-            <a:ext cx="8797651" cy="4358877"/>
-          </a:xfrm>
-          <a:prstGeom prst="rect">
-            <a:avLst/>
-          </a:prstGeom>
-        </p:spPr>
-      </p:pic>
-      <p:sp>
-        <p:nvSpPr>
-          <p:cNvPr id="2" name="Slide Number Placeholder 1">
-            <a:extLst>
-              <a:ext uri="{FF2B5EF4-FFF2-40B4-BE49-F238E27FC236}">
-                <a16:creationId xmlns:a16="http://schemas.microsoft.com/office/drawing/2014/main" id="{D389E60E-9E7C-C9AA-30AA-07BBED64EDF4}"/>
-              </a:ext>
-            </a:extLst>
-          </p:cNvPr>
-          <p:cNvSpPr>
-            <a:spLocks noGrp="1"/>
-          </p:cNvSpPr>
-          <p:nvPr>
-            <p:ph type="sldNum" sz="quarter" idx="12"/>
-          </p:nvPr>
-        </p:nvSpPr>
-        <p:spPr/>
-        <p:txBody>
-          <a:bodyPr/>
-          <a:lstStyle/>
-          <a:p>
-            <a:fld id="{834E4636-1AC7-4593-8425-9A7E3B693646}" type="slidenum">
-              <a:rPr lang="pt-PT" smtClean="0"/>
-              <a:t>6</a:t>
-            </a:fld>
-            <a:endParaRPr lang="pt-PT"/>
-          </a:p>
-        </p:txBody>
-      </p:sp>
-    </p:spTree>
-    <p:extLst>
-      <p:ext uri="{BB962C8B-B14F-4D97-AF65-F5344CB8AC3E}">
-        <p14:creationId xmlns:p14="http://schemas.microsoft.com/office/powerpoint/2010/main" val="4132077947"/>
-      </p:ext>
-    </p:extLst>
-  </p:cSld>
-  <p:clrMapOvr>
-    <a:masterClrMapping/>
-  </p:clrMapOvr>
-</p:sld>
-</file>
-
-<file path=ppt/slides/slide7.xml><?xml version="1.0" encoding="utf-8"?>
-<p:sld xmlns:a="http://schemas.openxmlformats.org/drawingml/2006/main" xmlns:r="http://schemas.openxmlformats.org/officeDocument/2006/relationships" xmlns:p="http://schemas.openxmlformats.org/presentationml/2006/main">
-  <p:cSld>
-    <p:bg>
-      <p:bgPr>
-        <a:solidFill>
-          <a:schemeClr val="bg1"/>
-        </a:solidFill>
-        <a:effectLst/>
-      </p:bgPr>
-    </p:bg>
-    <p:spTree>
-      <p:nvGrpSpPr>
-        <p:cNvPr id="1" name=""/>
-        <p:cNvGrpSpPr/>
-        <p:nvPr/>
-      </p:nvGrpSpPr>
-      <p:grpSpPr>
-        <a:xfrm>
-          <a:off x="0" y="0"/>
-          <a:ext cx="0" cy="0"/>
-          <a:chOff x="0" y="0"/>
-          <a:chExt cx="0" cy="0"/>
-        </a:xfrm>
-      </p:grpSpPr>
-      <p:sp>
-        <p:nvSpPr>
-          <p:cNvPr id="10" name="Google Shape;1463;p74">
-            <a:extLst>
-              <a:ext uri="{FF2B5EF4-FFF2-40B4-BE49-F238E27FC236}">
-                <a16:creationId xmlns:a16="http://schemas.microsoft.com/office/drawing/2014/main" id="{643C1A7C-0827-BEE8-C235-6F25C8D9BCB5}"/>
-              </a:ext>
-            </a:extLst>
-          </p:cNvPr>
-          <p:cNvSpPr/>
-          <p:nvPr/>
-        </p:nvSpPr>
-        <p:spPr>
-          <a:xfrm>
-            <a:off x="-702050" y="4373217"/>
-            <a:ext cx="3536281" cy="2484784"/>
-          </a:xfrm>
-          <a:custGeom>
-            <a:avLst/>
-            <a:gdLst/>
-            <a:ahLst/>
-            <a:cxnLst/>
-            <a:rect l="l" t="t" r="r" b="b"/>
-            <a:pathLst>
-              <a:path w="119881" h="113309" extrusionOk="0">
-                <a:moveTo>
-                  <a:pt x="20594" y="1"/>
-                </a:moveTo>
-                <a:cubicBezTo>
-                  <a:pt x="16552" y="1"/>
-                  <a:pt x="12368" y="1147"/>
-                  <a:pt x="9149" y="2790"/>
-                </a:cubicBezTo>
-                <a:cubicBezTo>
-                  <a:pt x="5471" y="4675"/>
-                  <a:pt x="1915" y="7836"/>
-                  <a:pt x="0" y="11605"/>
-                </a:cubicBezTo>
-                <a:lnTo>
-                  <a:pt x="0" y="113308"/>
-                </a:lnTo>
-                <a:lnTo>
-                  <a:pt x="117935" y="113308"/>
-                </a:lnTo>
-                <a:cubicBezTo>
-                  <a:pt x="117935" y="113308"/>
-                  <a:pt x="119881" y="98901"/>
-                  <a:pt x="102008" y="94250"/>
-                </a:cubicBezTo>
-                <a:cubicBezTo>
-                  <a:pt x="89485" y="90968"/>
-                  <a:pt x="95139" y="77472"/>
-                  <a:pt x="92190" y="68141"/>
-                </a:cubicBezTo>
-                <a:cubicBezTo>
-                  <a:pt x="88773" y="57366"/>
-                  <a:pt x="78869" y="50808"/>
-                  <a:pt x="68440" y="50808"/>
-                </a:cubicBezTo>
-                <a:cubicBezTo>
-                  <a:pt x="64953" y="50808"/>
-                  <a:pt x="61407" y="51541"/>
-                  <a:pt x="58025" y="53095"/>
-                </a:cubicBezTo>
-                <a:cubicBezTo>
-                  <a:pt x="53166" y="55347"/>
-                  <a:pt x="45940" y="60409"/>
-                  <a:pt x="39678" y="60409"/>
-                </a:cubicBezTo>
-                <a:cubicBezTo>
-                  <a:pt x="37911" y="60409"/>
-                  <a:pt x="36220" y="60005"/>
-                  <a:pt x="34681" y="59022"/>
-                </a:cubicBezTo>
-                <a:cubicBezTo>
-                  <a:pt x="26323" y="53703"/>
-                  <a:pt x="32341" y="38991"/>
-                  <a:pt x="33770" y="31635"/>
-                </a:cubicBezTo>
-                <a:cubicBezTo>
-                  <a:pt x="35381" y="23459"/>
-                  <a:pt x="36900" y="14249"/>
-                  <a:pt x="32858" y="6498"/>
-                </a:cubicBezTo>
-                <a:cubicBezTo>
-                  <a:pt x="30386" y="1757"/>
-                  <a:pt x="25599" y="1"/>
-                  <a:pt x="20594" y="1"/>
-                </a:cubicBezTo>
-                <a:close/>
-              </a:path>
-            </a:pathLst>
-          </a:custGeom>
-          <a:solidFill>
             <a:srgbClr val="ACDBD3"/>
           </a:solidFill>
           <a:ln>
@@ -12196,7 +11146,7 @@
           <a:p>
             <a:fld id="{834E4636-1AC7-4593-8425-9A7E3B693646}" type="slidenum">
               <a:rPr lang="pt-PT" smtClean="0"/>
-              <a:t>7</a:t>
+              <a:t>6</a:t>
             </a:fld>
             <a:endParaRPr lang="pt-PT"/>
           </a:p>
@@ -12326,6 +11276,1373 @@
     <p:extLst>
       <p:ext uri="{BB962C8B-B14F-4D97-AF65-F5344CB8AC3E}">
         <p14:creationId xmlns:p14="http://schemas.microsoft.com/office/powerpoint/2010/main" val="2161799229"/>
+      </p:ext>
+    </p:extLst>
+  </p:cSld>
+  <p:clrMapOvr>
+    <a:masterClrMapping/>
+  </p:clrMapOvr>
+</p:sld>
+</file>
+
+<file path=ppt/slides/slide7.xml><?xml version="1.0" encoding="utf-8"?>
+<p:sld xmlns:a="http://schemas.openxmlformats.org/drawingml/2006/main" xmlns:r="http://schemas.openxmlformats.org/officeDocument/2006/relationships" xmlns:p="http://schemas.openxmlformats.org/presentationml/2006/main">
+  <p:cSld>
+    <p:bg>
+      <p:bgPr>
+        <a:solidFill>
+          <a:schemeClr val="bg1"/>
+        </a:solidFill>
+        <a:effectLst/>
+      </p:bgPr>
+    </p:bg>
+    <p:spTree>
+      <p:nvGrpSpPr>
+        <p:cNvPr id="1" name=""/>
+        <p:cNvGrpSpPr/>
+        <p:nvPr/>
+      </p:nvGrpSpPr>
+      <p:grpSpPr>
+        <a:xfrm>
+          <a:off x="0" y="0"/>
+          <a:ext cx="0" cy="0"/>
+          <a:chOff x="0" y="0"/>
+          <a:chExt cx="0" cy="0"/>
+        </a:xfrm>
+      </p:grpSpPr>
+      <p:sp>
+        <p:nvSpPr>
+          <p:cNvPr id="19" name="Google Shape;1461;p74">
+            <a:extLst>
+              <a:ext uri="{FF2B5EF4-FFF2-40B4-BE49-F238E27FC236}">
+                <a16:creationId xmlns:a16="http://schemas.microsoft.com/office/drawing/2014/main" id="{D2D1B2FD-B3BE-C9A2-F643-6C4255236DF4}"/>
+              </a:ext>
+            </a:extLst>
+          </p:cNvPr>
+          <p:cNvSpPr/>
+          <p:nvPr/>
+        </p:nvSpPr>
+        <p:spPr>
+          <a:xfrm rot="4324910">
+            <a:off x="10942090" y="2308251"/>
+            <a:ext cx="3339871" cy="3160289"/>
+          </a:xfrm>
+          <a:custGeom>
+            <a:avLst/>
+            <a:gdLst/>
+            <a:ahLst/>
+            <a:cxnLst/>
+            <a:rect l="l" t="t" r="r" b="b"/>
+            <a:pathLst>
+              <a:path w="71370" h="79623" extrusionOk="0">
+                <a:moveTo>
+                  <a:pt x="609" y="0"/>
+                </a:moveTo>
+                <a:cubicBezTo>
+                  <a:pt x="1" y="10578"/>
+                  <a:pt x="2949" y="24438"/>
+                  <a:pt x="14925" y="26627"/>
+                </a:cubicBezTo>
+                <a:cubicBezTo>
+                  <a:pt x="21642" y="27873"/>
+                  <a:pt x="28998" y="28116"/>
+                  <a:pt x="35168" y="31399"/>
+                </a:cubicBezTo>
+                <a:cubicBezTo>
+                  <a:pt x="51734" y="40274"/>
+                  <a:pt x="28512" y="60791"/>
+                  <a:pt x="40214" y="72828"/>
+                </a:cubicBezTo>
+                <a:cubicBezTo>
+                  <a:pt x="44913" y="77681"/>
+                  <a:pt x="50938" y="79622"/>
+                  <a:pt x="57153" y="79622"/>
+                </a:cubicBezTo>
+                <a:cubicBezTo>
+                  <a:pt x="61953" y="79622"/>
+                  <a:pt x="66866" y="78464"/>
+                  <a:pt x="71370" y="76597"/>
+                </a:cubicBezTo>
+                <a:lnTo>
+                  <a:pt x="71370" y="0"/>
+                </a:lnTo>
+                <a:close/>
+              </a:path>
+            </a:pathLst>
+          </a:custGeom>
+          <a:solidFill>
+            <a:srgbClr val="3D4D55"/>
+          </a:solidFill>
+          <a:ln>
+            <a:noFill/>
+          </a:ln>
+        </p:spPr>
+        <p:txBody>
+          <a:bodyPr spcFirstLastPara="1" wrap="square" lIns="91425" tIns="91425" rIns="91425" bIns="91425" anchor="ctr" anchorCtr="0">
+            <a:noAutofit/>
+          </a:bodyPr>
+          <a:lstStyle/>
+          <a:p>
+            <a:pPr marL="0" marR="0" lvl="0" indent="0" defTabSz="914400" eaLnBrk="1" fontAlgn="auto" latinLnBrk="0" hangingPunct="1">
+              <a:lnSpc>
+                <a:spcPct val="100000"/>
+              </a:lnSpc>
+              <a:spcBef>
+                <a:spcPts val="0"/>
+              </a:spcBef>
+              <a:spcAft>
+                <a:spcPts val="0"/>
+              </a:spcAft>
+              <a:buClr>
+                <a:srgbClr val="000000"/>
+              </a:buClr>
+              <a:buSzTx/>
+              <a:buFont typeface="Arial"/>
+              <a:buNone/>
+              <a:tabLst/>
+              <a:defRPr/>
+            </a:pPr>
+            <a:endParaRPr kumimoji="0" sz="1400" b="0" i="0" u="none" strike="noStrike" kern="0" cap="none" spc="0" normalizeH="0" baseline="0" noProof="0">
+              <a:ln>
+                <a:noFill/>
+              </a:ln>
+              <a:solidFill>
+                <a:srgbClr val="000000"/>
+              </a:solidFill>
+              <a:effectLst/>
+              <a:uLnTx/>
+              <a:uFillTx/>
+              <a:latin typeface="Arial"/>
+              <a:cs typeface="Arial"/>
+              <a:sym typeface="Arial"/>
+            </a:endParaRPr>
+          </a:p>
+        </p:txBody>
+      </p:sp>
+      <p:sp>
+        <p:nvSpPr>
+          <p:cNvPr id="12" name="Google Shape;1463;p74">
+            <a:extLst>
+              <a:ext uri="{FF2B5EF4-FFF2-40B4-BE49-F238E27FC236}">
+                <a16:creationId xmlns:a16="http://schemas.microsoft.com/office/drawing/2014/main" id="{061EF8A1-D9DB-A437-1077-218927BCC4B6}"/>
+              </a:ext>
+            </a:extLst>
+          </p:cNvPr>
+          <p:cNvSpPr/>
+          <p:nvPr/>
+        </p:nvSpPr>
+        <p:spPr>
+          <a:xfrm rot="5400000">
+            <a:off x="-3128644" y="3201211"/>
+            <a:ext cx="9566543" cy="2714171"/>
+          </a:xfrm>
+          <a:custGeom>
+            <a:avLst/>
+            <a:gdLst/>
+            <a:ahLst/>
+            <a:cxnLst/>
+            <a:rect l="l" t="t" r="r" b="b"/>
+            <a:pathLst>
+              <a:path w="119881" h="113309" extrusionOk="0">
+                <a:moveTo>
+                  <a:pt x="20594" y="1"/>
+                </a:moveTo>
+                <a:cubicBezTo>
+                  <a:pt x="16552" y="1"/>
+                  <a:pt x="12368" y="1147"/>
+                  <a:pt x="9149" y="2790"/>
+                </a:cubicBezTo>
+                <a:cubicBezTo>
+                  <a:pt x="5471" y="4675"/>
+                  <a:pt x="1915" y="7836"/>
+                  <a:pt x="0" y="11605"/>
+                </a:cubicBezTo>
+                <a:lnTo>
+                  <a:pt x="0" y="113308"/>
+                </a:lnTo>
+                <a:lnTo>
+                  <a:pt x="117935" y="113308"/>
+                </a:lnTo>
+                <a:cubicBezTo>
+                  <a:pt x="117935" y="113308"/>
+                  <a:pt x="119881" y="98901"/>
+                  <a:pt x="102008" y="94250"/>
+                </a:cubicBezTo>
+                <a:cubicBezTo>
+                  <a:pt x="89485" y="90968"/>
+                  <a:pt x="95139" y="77472"/>
+                  <a:pt x="92190" y="68141"/>
+                </a:cubicBezTo>
+                <a:cubicBezTo>
+                  <a:pt x="88773" y="57366"/>
+                  <a:pt x="78869" y="50808"/>
+                  <a:pt x="68440" y="50808"/>
+                </a:cubicBezTo>
+                <a:cubicBezTo>
+                  <a:pt x="64953" y="50808"/>
+                  <a:pt x="61407" y="51541"/>
+                  <a:pt x="58025" y="53095"/>
+                </a:cubicBezTo>
+                <a:cubicBezTo>
+                  <a:pt x="53166" y="55347"/>
+                  <a:pt x="45940" y="60409"/>
+                  <a:pt x="39678" y="60409"/>
+                </a:cubicBezTo>
+                <a:cubicBezTo>
+                  <a:pt x="37911" y="60409"/>
+                  <a:pt x="36220" y="60005"/>
+                  <a:pt x="34681" y="59022"/>
+                </a:cubicBezTo>
+                <a:cubicBezTo>
+                  <a:pt x="26323" y="53703"/>
+                  <a:pt x="32341" y="38991"/>
+                  <a:pt x="33770" y="31635"/>
+                </a:cubicBezTo>
+                <a:cubicBezTo>
+                  <a:pt x="35381" y="23459"/>
+                  <a:pt x="36900" y="14249"/>
+                  <a:pt x="32858" y="6498"/>
+                </a:cubicBezTo>
+                <a:cubicBezTo>
+                  <a:pt x="30386" y="1757"/>
+                  <a:pt x="25599" y="1"/>
+                  <a:pt x="20594" y="1"/>
+                </a:cubicBezTo>
+                <a:close/>
+              </a:path>
+            </a:pathLst>
+          </a:custGeom>
+          <a:solidFill>
+            <a:srgbClr val="ACDBD3"/>
+          </a:solidFill>
+          <a:ln>
+            <a:noFill/>
+          </a:ln>
+        </p:spPr>
+        <p:txBody>
+          <a:bodyPr spcFirstLastPara="1" wrap="square" lIns="91425" tIns="91425" rIns="91425" bIns="91425" anchor="ctr" anchorCtr="0">
+            <a:noAutofit/>
+          </a:bodyPr>
+          <a:lstStyle/>
+          <a:p>
+            <a:pPr marL="0" marR="0" lvl="0" indent="0" defTabSz="914400" eaLnBrk="1" fontAlgn="auto" latinLnBrk="0" hangingPunct="1">
+              <a:lnSpc>
+                <a:spcPct val="100000"/>
+              </a:lnSpc>
+              <a:spcBef>
+                <a:spcPts val="0"/>
+              </a:spcBef>
+              <a:spcAft>
+                <a:spcPts val="0"/>
+              </a:spcAft>
+              <a:buClr>
+                <a:srgbClr val="000000"/>
+              </a:buClr>
+              <a:buSzTx/>
+              <a:buFont typeface="Arial"/>
+              <a:buNone/>
+              <a:tabLst/>
+              <a:defRPr/>
+            </a:pPr>
+            <a:endParaRPr kumimoji="0" sz="1400" b="0" i="0" u="none" strike="noStrike" kern="0" cap="none" spc="0" normalizeH="0" baseline="0" noProof="0">
+              <a:ln>
+                <a:noFill/>
+              </a:ln>
+              <a:solidFill>
+                <a:srgbClr val="000000"/>
+              </a:solidFill>
+              <a:effectLst/>
+              <a:uLnTx/>
+              <a:uFillTx/>
+              <a:latin typeface="Arial"/>
+              <a:cs typeface="Arial"/>
+              <a:sym typeface="Arial"/>
+            </a:endParaRPr>
+          </a:p>
+        </p:txBody>
+      </p:sp>
+      <p:sp>
+        <p:nvSpPr>
+          <p:cNvPr id="11" name="Google Shape;1463;p74">
+            <a:extLst>
+              <a:ext uri="{FF2B5EF4-FFF2-40B4-BE49-F238E27FC236}">
+                <a16:creationId xmlns:a16="http://schemas.microsoft.com/office/drawing/2014/main" id="{75787EDF-FF7F-96CD-CE95-04876C9FC9BF}"/>
+              </a:ext>
+            </a:extLst>
+          </p:cNvPr>
+          <p:cNvSpPr/>
+          <p:nvPr/>
+        </p:nvSpPr>
+        <p:spPr>
+          <a:xfrm rot="5400000">
+            <a:off x="-3426185" y="2439211"/>
+            <a:ext cx="9566543" cy="2714171"/>
+          </a:xfrm>
+          <a:custGeom>
+            <a:avLst/>
+            <a:gdLst/>
+            <a:ahLst/>
+            <a:cxnLst/>
+            <a:rect l="l" t="t" r="r" b="b"/>
+            <a:pathLst>
+              <a:path w="119881" h="113309" extrusionOk="0">
+                <a:moveTo>
+                  <a:pt x="20594" y="1"/>
+                </a:moveTo>
+                <a:cubicBezTo>
+                  <a:pt x="16552" y="1"/>
+                  <a:pt x="12368" y="1147"/>
+                  <a:pt x="9149" y="2790"/>
+                </a:cubicBezTo>
+                <a:cubicBezTo>
+                  <a:pt x="5471" y="4675"/>
+                  <a:pt x="1915" y="7836"/>
+                  <a:pt x="0" y="11605"/>
+                </a:cubicBezTo>
+                <a:lnTo>
+                  <a:pt x="0" y="113308"/>
+                </a:lnTo>
+                <a:lnTo>
+                  <a:pt x="117935" y="113308"/>
+                </a:lnTo>
+                <a:cubicBezTo>
+                  <a:pt x="117935" y="113308"/>
+                  <a:pt x="119881" y="98901"/>
+                  <a:pt x="102008" y="94250"/>
+                </a:cubicBezTo>
+                <a:cubicBezTo>
+                  <a:pt x="89485" y="90968"/>
+                  <a:pt x="95139" y="77472"/>
+                  <a:pt x="92190" y="68141"/>
+                </a:cubicBezTo>
+                <a:cubicBezTo>
+                  <a:pt x="88773" y="57366"/>
+                  <a:pt x="78869" y="50808"/>
+                  <a:pt x="68440" y="50808"/>
+                </a:cubicBezTo>
+                <a:cubicBezTo>
+                  <a:pt x="64953" y="50808"/>
+                  <a:pt x="61407" y="51541"/>
+                  <a:pt x="58025" y="53095"/>
+                </a:cubicBezTo>
+                <a:cubicBezTo>
+                  <a:pt x="53166" y="55347"/>
+                  <a:pt x="45940" y="60409"/>
+                  <a:pt x="39678" y="60409"/>
+                </a:cubicBezTo>
+                <a:cubicBezTo>
+                  <a:pt x="37911" y="60409"/>
+                  <a:pt x="36220" y="60005"/>
+                  <a:pt x="34681" y="59022"/>
+                </a:cubicBezTo>
+                <a:cubicBezTo>
+                  <a:pt x="26323" y="53703"/>
+                  <a:pt x="32341" y="38991"/>
+                  <a:pt x="33770" y="31635"/>
+                </a:cubicBezTo>
+                <a:cubicBezTo>
+                  <a:pt x="35381" y="23459"/>
+                  <a:pt x="36900" y="14249"/>
+                  <a:pt x="32858" y="6498"/>
+                </a:cubicBezTo>
+                <a:cubicBezTo>
+                  <a:pt x="30386" y="1757"/>
+                  <a:pt x="25599" y="1"/>
+                  <a:pt x="20594" y="1"/>
+                </a:cubicBezTo>
+                <a:close/>
+              </a:path>
+            </a:pathLst>
+          </a:custGeom>
+          <a:solidFill>
+            <a:srgbClr val="3F4853"/>
+          </a:solidFill>
+          <a:ln>
+            <a:noFill/>
+          </a:ln>
+        </p:spPr>
+        <p:txBody>
+          <a:bodyPr spcFirstLastPara="1" wrap="square" lIns="91425" tIns="91425" rIns="91425" bIns="91425" anchor="ctr" anchorCtr="0">
+            <a:noAutofit/>
+          </a:bodyPr>
+          <a:lstStyle/>
+          <a:p>
+            <a:pPr marL="0" marR="0" lvl="0" indent="0" defTabSz="914400" eaLnBrk="1" fontAlgn="auto" latinLnBrk="0" hangingPunct="1">
+              <a:lnSpc>
+                <a:spcPct val="100000"/>
+              </a:lnSpc>
+              <a:spcBef>
+                <a:spcPts val="0"/>
+              </a:spcBef>
+              <a:spcAft>
+                <a:spcPts val="0"/>
+              </a:spcAft>
+              <a:buClr>
+                <a:srgbClr val="000000"/>
+              </a:buClr>
+              <a:buSzTx/>
+              <a:buFont typeface="Arial"/>
+              <a:buNone/>
+              <a:tabLst/>
+              <a:defRPr/>
+            </a:pPr>
+            <a:endParaRPr kumimoji="0" sz="1400" b="0" i="0" u="none" strike="noStrike" kern="0" cap="none" spc="0" normalizeH="0" baseline="0" noProof="0">
+              <a:ln>
+                <a:noFill/>
+              </a:ln>
+              <a:solidFill>
+                <a:srgbClr val="000000"/>
+              </a:solidFill>
+              <a:effectLst/>
+              <a:uLnTx/>
+              <a:uFillTx/>
+              <a:latin typeface="Arial"/>
+              <a:cs typeface="Arial"/>
+              <a:sym typeface="Arial"/>
+            </a:endParaRPr>
+          </a:p>
+        </p:txBody>
+      </p:sp>
+      <p:sp>
+        <p:nvSpPr>
+          <p:cNvPr id="13" name="Google Shape;1463;p74">
+            <a:extLst>
+              <a:ext uri="{FF2B5EF4-FFF2-40B4-BE49-F238E27FC236}">
+                <a16:creationId xmlns:a16="http://schemas.microsoft.com/office/drawing/2014/main" id="{B24596DA-27BE-E6A5-26A2-FDF859963FED}"/>
+              </a:ext>
+            </a:extLst>
+          </p:cNvPr>
+          <p:cNvSpPr/>
+          <p:nvPr/>
+        </p:nvSpPr>
+        <p:spPr>
+          <a:xfrm rot="6187808">
+            <a:off x="-977313" y="-437164"/>
+            <a:ext cx="3763883" cy="2944454"/>
+          </a:xfrm>
+          <a:custGeom>
+            <a:avLst/>
+            <a:gdLst/>
+            <a:ahLst/>
+            <a:cxnLst/>
+            <a:rect l="l" t="t" r="r" b="b"/>
+            <a:pathLst>
+              <a:path w="119881" h="113309" extrusionOk="0">
+                <a:moveTo>
+                  <a:pt x="20594" y="1"/>
+                </a:moveTo>
+                <a:cubicBezTo>
+                  <a:pt x="16552" y="1"/>
+                  <a:pt x="12368" y="1147"/>
+                  <a:pt x="9149" y="2790"/>
+                </a:cubicBezTo>
+                <a:cubicBezTo>
+                  <a:pt x="5471" y="4675"/>
+                  <a:pt x="1915" y="7836"/>
+                  <a:pt x="0" y="11605"/>
+                </a:cubicBezTo>
+                <a:lnTo>
+                  <a:pt x="0" y="113308"/>
+                </a:lnTo>
+                <a:lnTo>
+                  <a:pt x="117935" y="113308"/>
+                </a:lnTo>
+                <a:cubicBezTo>
+                  <a:pt x="117935" y="113308"/>
+                  <a:pt x="119881" y="98901"/>
+                  <a:pt x="102008" y="94250"/>
+                </a:cubicBezTo>
+                <a:cubicBezTo>
+                  <a:pt x="89485" y="90968"/>
+                  <a:pt x="95139" y="77472"/>
+                  <a:pt x="92190" y="68141"/>
+                </a:cubicBezTo>
+                <a:cubicBezTo>
+                  <a:pt x="88773" y="57366"/>
+                  <a:pt x="78869" y="50808"/>
+                  <a:pt x="68440" y="50808"/>
+                </a:cubicBezTo>
+                <a:cubicBezTo>
+                  <a:pt x="64953" y="50808"/>
+                  <a:pt x="61407" y="51541"/>
+                  <a:pt x="58025" y="53095"/>
+                </a:cubicBezTo>
+                <a:cubicBezTo>
+                  <a:pt x="53166" y="55347"/>
+                  <a:pt x="45940" y="60409"/>
+                  <a:pt x="39678" y="60409"/>
+                </a:cubicBezTo>
+                <a:cubicBezTo>
+                  <a:pt x="37911" y="60409"/>
+                  <a:pt x="36220" y="60005"/>
+                  <a:pt x="34681" y="59022"/>
+                </a:cubicBezTo>
+                <a:cubicBezTo>
+                  <a:pt x="26323" y="53703"/>
+                  <a:pt x="32341" y="38991"/>
+                  <a:pt x="33770" y="31635"/>
+                </a:cubicBezTo>
+                <a:cubicBezTo>
+                  <a:pt x="35381" y="23459"/>
+                  <a:pt x="36900" y="14249"/>
+                  <a:pt x="32858" y="6498"/>
+                </a:cubicBezTo>
+                <a:cubicBezTo>
+                  <a:pt x="30386" y="1757"/>
+                  <a:pt x="25599" y="1"/>
+                  <a:pt x="20594" y="1"/>
+                </a:cubicBezTo>
+                <a:close/>
+              </a:path>
+            </a:pathLst>
+          </a:custGeom>
+          <a:noFill/>
+          <a:ln>
+            <a:solidFill>
+              <a:srgbClr val="ACDBD3"/>
+            </a:solidFill>
+          </a:ln>
+        </p:spPr>
+        <p:txBody>
+          <a:bodyPr spcFirstLastPara="1" wrap="square" lIns="91425" tIns="91425" rIns="91425" bIns="91425" anchor="ctr" anchorCtr="0">
+            <a:noAutofit/>
+          </a:bodyPr>
+          <a:lstStyle/>
+          <a:p>
+            <a:pPr marL="0" marR="0" lvl="0" indent="0" defTabSz="914400" eaLnBrk="1" fontAlgn="auto" latinLnBrk="0" hangingPunct="1">
+              <a:lnSpc>
+                <a:spcPct val="100000"/>
+              </a:lnSpc>
+              <a:spcBef>
+                <a:spcPts val="0"/>
+              </a:spcBef>
+              <a:spcAft>
+                <a:spcPts val="0"/>
+              </a:spcAft>
+              <a:buClr>
+                <a:srgbClr val="000000"/>
+              </a:buClr>
+              <a:buSzTx/>
+              <a:buFont typeface="Arial"/>
+              <a:buNone/>
+              <a:tabLst/>
+              <a:defRPr/>
+            </a:pPr>
+            <a:endParaRPr kumimoji="0" sz="1400" b="0" i="0" u="none" strike="noStrike" kern="0" cap="none" spc="0" normalizeH="0" baseline="0" noProof="0">
+              <a:ln>
+                <a:noFill/>
+              </a:ln>
+              <a:solidFill>
+                <a:srgbClr val="000000"/>
+              </a:solidFill>
+              <a:effectLst/>
+              <a:uLnTx/>
+              <a:uFillTx/>
+              <a:latin typeface="Arial"/>
+              <a:cs typeface="Arial"/>
+              <a:sym typeface="Arial"/>
+            </a:endParaRPr>
+          </a:p>
+        </p:txBody>
+      </p:sp>
+      <p:sp>
+        <p:nvSpPr>
+          <p:cNvPr id="15" name="Google Shape;1456;p74">
+            <a:extLst>
+              <a:ext uri="{FF2B5EF4-FFF2-40B4-BE49-F238E27FC236}">
+                <a16:creationId xmlns:a16="http://schemas.microsoft.com/office/drawing/2014/main" id="{B1C0096E-F9DC-46F7-8356-E4DC7EAFD62A}"/>
+              </a:ext>
+            </a:extLst>
+          </p:cNvPr>
+          <p:cNvSpPr/>
+          <p:nvPr/>
+        </p:nvSpPr>
+        <p:spPr>
+          <a:xfrm rot="8516003">
+            <a:off x="9219064" y="5413071"/>
+            <a:ext cx="3573785" cy="2322295"/>
+          </a:xfrm>
+          <a:custGeom>
+            <a:avLst/>
+            <a:gdLst/>
+            <a:ahLst/>
+            <a:cxnLst/>
+            <a:rect l="l" t="t" r="r" b="b"/>
+            <a:pathLst>
+              <a:path w="71719" h="46604" extrusionOk="0">
+                <a:moveTo>
+                  <a:pt x="29382" y="0"/>
+                </a:moveTo>
+                <a:cubicBezTo>
+                  <a:pt x="11785" y="0"/>
+                  <a:pt x="3670" y="13663"/>
+                  <a:pt x="3670" y="13663"/>
+                </a:cubicBezTo>
+                <a:cubicBezTo>
+                  <a:pt x="1" y="19267"/>
+                  <a:pt x="1568" y="26839"/>
+                  <a:pt x="7206" y="30509"/>
+                </a:cubicBezTo>
+                <a:cubicBezTo>
+                  <a:pt x="9266" y="31845"/>
+                  <a:pt x="11583" y="32485"/>
+                  <a:pt x="13864" y="32485"/>
+                </a:cubicBezTo>
+                <a:cubicBezTo>
+                  <a:pt x="14315" y="32485"/>
+                  <a:pt x="14765" y="32460"/>
+                  <a:pt x="15211" y="32410"/>
+                </a:cubicBezTo>
+                <a:cubicBezTo>
+                  <a:pt x="16145" y="32310"/>
+                  <a:pt x="17046" y="32110"/>
+                  <a:pt x="17913" y="31776"/>
+                </a:cubicBezTo>
+                <a:cubicBezTo>
+                  <a:pt x="19417" y="31509"/>
+                  <a:pt x="20791" y="31392"/>
+                  <a:pt x="22045" y="31392"/>
+                </a:cubicBezTo>
+                <a:cubicBezTo>
+                  <a:pt x="28943" y="31392"/>
+                  <a:pt x="32211" y="34950"/>
+                  <a:pt x="33424" y="36813"/>
+                </a:cubicBezTo>
+                <a:cubicBezTo>
+                  <a:pt x="33591" y="37113"/>
+                  <a:pt x="33758" y="37414"/>
+                  <a:pt x="33925" y="37647"/>
+                </a:cubicBezTo>
+                <a:lnTo>
+                  <a:pt x="34058" y="37914"/>
+                </a:lnTo>
+                <a:lnTo>
+                  <a:pt x="34092" y="37881"/>
+                </a:lnTo>
+                <a:cubicBezTo>
+                  <a:pt x="35526" y="40049"/>
+                  <a:pt x="37394" y="41984"/>
+                  <a:pt x="39696" y="43485"/>
+                </a:cubicBezTo>
+                <a:cubicBezTo>
+                  <a:pt x="42915" y="45595"/>
+                  <a:pt x="46532" y="46603"/>
+                  <a:pt x="50107" y="46603"/>
+                </a:cubicBezTo>
+                <a:cubicBezTo>
+                  <a:pt x="56310" y="46603"/>
+                  <a:pt x="62387" y="43567"/>
+                  <a:pt x="66048" y="37981"/>
+                </a:cubicBezTo>
+                <a:cubicBezTo>
+                  <a:pt x="71718" y="29208"/>
+                  <a:pt x="69250" y="17399"/>
+                  <a:pt x="60444" y="11662"/>
+                </a:cubicBezTo>
+                <a:cubicBezTo>
+                  <a:pt x="60010" y="11362"/>
+                  <a:pt x="59543" y="11061"/>
+                  <a:pt x="59076" y="10828"/>
+                </a:cubicBezTo>
+                <a:cubicBezTo>
+                  <a:pt x="47169" y="2776"/>
+                  <a:pt x="37312" y="0"/>
+                  <a:pt x="29382" y="0"/>
+                </a:cubicBezTo>
+                <a:close/>
+              </a:path>
+            </a:pathLst>
+          </a:custGeom>
+          <a:solidFill>
+            <a:srgbClr val="ACDBD3"/>
+          </a:solidFill>
+          <a:ln>
+            <a:noFill/>
+          </a:ln>
+        </p:spPr>
+        <p:txBody>
+          <a:bodyPr spcFirstLastPara="1" wrap="square" lIns="91425" tIns="91425" rIns="91425" bIns="91425" anchor="ctr" anchorCtr="0">
+            <a:noAutofit/>
+          </a:bodyPr>
+          <a:lstStyle/>
+          <a:p>
+            <a:pPr marL="0" marR="0" lvl="0" indent="0" defTabSz="914400" eaLnBrk="1" fontAlgn="auto" latinLnBrk="0" hangingPunct="1">
+              <a:lnSpc>
+                <a:spcPct val="100000"/>
+              </a:lnSpc>
+              <a:spcBef>
+                <a:spcPts val="0"/>
+              </a:spcBef>
+              <a:spcAft>
+                <a:spcPts val="0"/>
+              </a:spcAft>
+              <a:buClr>
+                <a:srgbClr val="000000"/>
+              </a:buClr>
+              <a:buSzTx/>
+              <a:buFont typeface="Arial"/>
+              <a:buNone/>
+              <a:tabLst/>
+              <a:defRPr/>
+            </a:pPr>
+            <a:endParaRPr kumimoji="0" sz="1400" b="0" i="0" u="none" strike="noStrike" kern="0" cap="none" spc="0" normalizeH="0" baseline="0" noProof="0">
+              <a:ln>
+                <a:noFill/>
+              </a:ln>
+              <a:solidFill>
+                <a:srgbClr val="000000"/>
+              </a:solidFill>
+              <a:effectLst/>
+              <a:uLnTx/>
+              <a:uFillTx/>
+              <a:latin typeface="Arial"/>
+              <a:cs typeface="Arial"/>
+              <a:sym typeface="Arial"/>
+            </a:endParaRPr>
+          </a:p>
+        </p:txBody>
+      </p:sp>
+      <p:sp>
+        <p:nvSpPr>
+          <p:cNvPr id="17" name="Google Shape;1456;p74">
+            <a:extLst>
+              <a:ext uri="{FF2B5EF4-FFF2-40B4-BE49-F238E27FC236}">
+                <a16:creationId xmlns:a16="http://schemas.microsoft.com/office/drawing/2014/main" id="{A1DC0FCF-72F1-6D51-F56D-186BBA4114EC}"/>
+              </a:ext>
+            </a:extLst>
+          </p:cNvPr>
+          <p:cNvSpPr/>
+          <p:nvPr/>
+        </p:nvSpPr>
+        <p:spPr>
+          <a:xfrm rot="8516003">
+            <a:off x="9897076" y="5138610"/>
+            <a:ext cx="1433457" cy="699454"/>
+          </a:xfrm>
+          <a:custGeom>
+            <a:avLst/>
+            <a:gdLst/>
+            <a:ahLst/>
+            <a:cxnLst/>
+            <a:rect l="l" t="t" r="r" b="b"/>
+            <a:pathLst>
+              <a:path w="71719" h="46604" extrusionOk="0">
+                <a:moveTo>
+                  <a:pt x="29382" y="0"/>
+                </a:moveTo>
+                <a:cubicBezTo>
+                  <a:pt x="11785" y="0"/>
+                  <a:pt x="3670" y="13663"/>
+                  <a:pt x="3670" y="13663"/>
+                </a:cubicBezTo>
+                <a:cubicBezTo>
+                  <a:pt x="1" y="19267"/>
+                  <a:pt x="1568" y="26839"/>
+                  <a:pt x="7206" y="30509"/>
+                </a:cubicBezTo>
+                <a:cubicBezTo>
+                  <a:pt x="9266" y="31845"/>
+                  <a:pt x="11583" y="32485"/>
+                  <a:pt x="13864" y="32485"/>
+                </a:cubicBezTo>
+                <a:cubicBezTo>
+                  <a:pt x="14315" y="32485"/>
+                  <a:pt x="14765" y="32460"/>
+                  <a:pt x="15211" y="32410"/>
+                </a:cubicBezTo>
+                <a:cubicBezTo>
+                  <a:pt x="16145" y="32310"/>
+                  <a:pt x="17046" y="32110"/>
+                  <a:pt x="17913" y="31776"/>
+                </a:cubicBezTo>
+                <a:cubicBezTo>
+                  <a:pt x="19417" y="31509"/>
+                  <a:pt x="20791" y="31392"/>
+                  <a:pt x="22045" y="31392"/>
+                </a:cubicBezTo>
+                <a:cubicBezTo>
+                  <a:pt x="28943" y="31392"/>
+                  <a:pt x="32211" y="34950"/>
+                  <a:pt x="33424" y="36813"/>
+                </a:cubicBezTo>
+                <a:cubicBezTo>
+                  <a:pt x="33591" y="37113"/>
+                  <a:pt x="33758" y="37414"/>
+                  <a:pt x="33925" y="37647"/>
+                </a:cubicBezTo>
+                <a:lnTo>
+                  <a:pt x="34058" y="37914"/>
+                </a:lnTo>
+                <a:lnTo>
+                  <a:pt x="34092" y="37881"/>
+                </a:lnTo>
+                <a:cubicBezTo>
+                  <a:pt x="35526" y="40049"/>
+                  <a:pt x="37394" y="41984"/>
+                  <a:pt x="39696" y="43485"/>
+                </a:cubicBezTo>
+                <a:cubicBezTo>
+                  <a:pt x="42915" y="45595"/>
+                  <a:pt x="46532" y="46603"/>
+                  <a:pt x="50107" y="46603"/>
+                </a:cubicBezTo>
+                <a:cubicBezTo>
+                  <a:pt x="56310" y="46603"/>
+                  <a:pt x="62387" y="43567"/>
+                  <a:pt x="66048" y="37981"/>
+                </a:cubicBezTo>
+                <a:cubicBezTo>
+                  <a:pt x="71718" y="29208"/>
+                  <a:pt x="69250" y="17399"/>
+                  <a:pt x="60444" y="11662"/>
+                </a:cubicBezTo>
+                <a:cubicBezTo>
+                  <a:pt x="60010" y="11362"/>
+                  <a:pt x="59543" y="11061"/>
+                  <a:pt x="59076" y="10828"/>
+                </a:cubicBezTo>
+                <a:cubicBezTo>
+                  <a:pt x="47169" y="2776"/>
+                  <a:pt x="37312" y="0"/>
+                  <a:pt x="29382" y="0"/>
+                </a:cubicBezTo>
+                <a:close/>
+              </a:path>
+            </a:pathLst>
+          </a:custGeom>
+          <a:solidFill>
+            <a:srgbClr val="ACDBD3"/>
+          </a:solidFill>
+          <a:ln>
+            <a:noFill/>
+          </a:ln>
+        </p:spPr>
+        <p:txBody>
+          <a:bodyPr spcFirstLastPara="1" wrap="square" lIns="91425" tIns="91425" rIns="91425" bIns="91425" anchor="ctr" anchorCtr="0">
+            <a:noAutofit/>
+          </a:bodyPr>
+          <a:lstStyle/>
+          <a:p>
+            <a:pPr marL="0" marR="0" lvl="0" indent="0" defTabSz="914400" eaLnBrk="1" fontAlgn="auto" latinLnBrk="0" hangingPunct="1">
+              <a:lnSpc>
+                <a:spcPct val="100000"/>
+              </a:lnSpc>
+              <a:spcBef>
+                <a:spcPts val="0"/>
+              </a:spcBef>
+              <a:spcAft>
+                <a:spcPts val="0"/>
+              </a:spcAft>
+              <a:buClr>
+                <a:srgbClr val="000000"/>
+              </a:buClr>
+              <a:buSzTx/>
+              <a:buFont typeface="Arial"/>
+              <a:buNone/>
+              <a:tabLst/>
+              <a:defRPr/>
+            </a:pPr>
+            <a:endParaRPr kumimoji="0" sz="1400" b="0" i="0" u="none" strike="noStrike" kern="0" cap="none" spc="0" normalizeH="0" baseline="0" noProof="0">
+              <a:ln>
+                <a:noFill/>
+              </a:ln>
+              <a:solidFill>
+                <a:srgbClr val="000000"/>
+              </a:solidFill>
+              <a:effectLst/>
+              <a:uLnTx/>
+              <a:uFillTx/>
+              <a:latin typeface="Arial"/>
+              <a:cs typeface="Arial"/>
+              <a:sym typeface="Arial"/>
+            </a:endParaRPr>
+          </a:p>
+        </p:txBody>
+      </p:sp>
+      <p:sp>
+        <p:nvSpPr>
+          <p:cNvPr id="20" name="Google Shape;296;p37">
+            <a:extLst>
+              <a:ext uri="{FF2B5EF4-FFF2-40B4-BE49-F238E27FC236}">
+                <a16:creationId xmlns:a16="http://schemas.microsoft.com/office/drawing/2014/main" id="{6F80C132-B390-6458-195D-9AF8B7675B12}"/>
+              </a:ext>
+            </a:extLst>
+          </p:cNvPr>
+          <p:cNvSpPr txBox="1">
+            <a:spLocks/>
+          </p:cNvSpPr>
+          <p:nvPr/>
+        </p:nvSpPr>
+        <p:spPr>
+          <a:xfrm>
+            <a:off x="3883481" y="3113223"/>
+            <a:ext cx="4425037" cy="631554"/>
+          </a:xfrm>
+          <a:prstGeom prst="rect">
+            <a:avLst/>
+          </a:prstGeom>
+          <a:noFill/>
+          <a:ln>
+            <a:noFill/>
+          </a:ln>
+        </p:spPr>
+        <p:txBody>
+          <a:bodyPr spcFirstLastPara="1" wrap="square" lIns="0" tIns="0" rIns="0" bIns="0" anchor="t" anchorCtr="0">
+            <a:noAutofit/>
+          </a:bodyPr>
+          <a:lstStyle>
+            <a:defPPr marR="0" lvl="0" algn="l" rtl="0">
+              <a:lnSpc>
+                <a:spcPct val="100000"/>
+              </a:lnSpc>
+              <a:spcBef>
+                <a:spcPts val="0"/>
+              </a:spcBef>
+              <a:spcAft>
+                <a:spcPts val="0"/>
+              </a:spcAft>
+            </a:defPPr>
+            <a:lvl1pPr marL="0" marR="0" lvl="0" indent="0" algn="l" rtl="0">
+              <a:lnSpc>
+                <a:spcPct val="90000"/>
+              </a:lnSpc>
+              <a:spcBef>
+                <a:spcPts val="0"/>
+              </a:spcBef>
+              <a:spcAft>
+                <a:spcPts val="0"/>
+              </a:spcAft>
+              <a:buClr>
+                <a:schemeClr val="dk2"/>
+              </a:buClr>
+              <a:buSzPts val="5200"/>
+              <a:buFont typeface="Commissioner"/>
+              <a:buNone/>
+              <a:defRPr sz="5000" b="0" i="0" u="none" strike="noStrike" cap="none">
+                <a:solidFill>
+                  <a:schemeClr val="dk2"/>
+                </a:solidFill>
+                <a:latin typeface="Commissioner ExtraBold"/>
+                <a:ea typeface="Commissioner ExtraBold"/>
+                <a:cs typeface="Commissioner ExtraBold"/>
+                <a:sym typeface="Commissioner ExtraBold"/>
+              </a:defRPr>
+            </a:lvl1pPr>
+            <a:lvl2pPr marR="0" lvl="1" algn="ctr" rtl="0">
+              <a:lnSpc>
+                <a:spcPct val="100000"/>
+              </a:lnSpc>
+              <a:spcBef>
+                <a:spcPts val="0"/>
+              </a:spcBef>
+              <a:spcAft>
+                <a:spcPts val="0"/>
+              </a:spcAft>
+              <a:buClr>
+                <a:schemeClr val="dk2"/>
+              </a:buClr>
+              <a:buSzPts val="5200"/>
+              <a:buFont typeface="Barlow SemiBold"/>
+              <a:buNone/>
+              <a:defRPr sz="5200" b="0" i="0" u="none" strike="noStrike" cap="none">
+                <a:solidFill>
+                  <a:schemeClr val="dk2"/>
+                </a:solidFill>
+                <a:latin typeface="Barlow SemiBold"/>
+                <a:ea typeface="Barlow SemiBold"/>
+                <a:cs typeface="Barlow SemiBold"/>
+                <a:sym typeface="Barlow SemiBold"/>
+              </a:defRPr>
+            </a:lvl2pPr>
+            <a:lvl3pPr marR="0" lvl="2" algn="ctr" rtl="0">
+              <a:lnSpc>
+                <a:spcPct val="100000"/>
+              </a:lnSpc>
+              <a:spcBef>
+                <a:spcPts val="0"/>
+              </a:spcBef>
+              <a:spcAft>
+                <a:spcPts val="0"/>
+              </a:spcAft>
+              <a:buClr>
+                <a:schemeClr val="dk2"/>
+              </a:buClr>
+              <a:buSzPts val="5200"/>
+              <a:buFont typeface="Barlow SemiBold"/>
+              <a:buNone/>
+              <a:defRPr sz="5200" b="0" i="0" u="none" strike="noStrike" cap="none">
+                <a:solidFill>
+                  <a:schemeClr val="dk2"/>
+                </a:solidFill>
+                <a:latin typeface="Barlow SemiBold"/>
+                <a:ea typeface="Barlow SemiBold"/>
+                <a:cs typeface="Barlow SemiBold"/>
+                <a:sym typeface="Barlow SemiBold"/>
+              </a:defRPr>
+            </a:lvl3pPr>
+            <a:lvl4pPr marR="0" lvl="3" algn="ctr" rtl="0">
+              <a:lnSpc>
+                <a:spcPct val="100000"/>
+              </a:lnSpc>
+              <a:spcBef>
+                <a:spcPts val="0"/>
+              </a:spcBef>
+              <a:spcAft>
+                <a:spcPts val="0"/>
+              </a:spcAft>
+              <a:buClr>
+                <a:schemeClr val="dk2"/>
+              </a:buClr>
+              <a:buSzPts val="5200"/>
+              <a:buFont typeface="Barlow SemiBold"/>
+              <a:buNone/>
+              <a:defRPr sz="5200" b="0" i="0" u="none" strike="noStrike" cap="none">
+                <a:solidFill>
+                  <a:schemeClr val="dk2"/>
+                </a:solidFill>
+                <a:latin typeface="Barlow SemiBold"/>
+                <a:ea typeface="Barlow SemiBold"/>
+                <a:cs typeface="Barlow SemiBold"/>
+                <a:sym typeface="Barlow SemiBold"/>
+              </a:defRPr>
+            </a:lvl4pPr>
+            <a:lvl5pPr marR="0" lvl="4" algn="ctr" rtl="0">
+              <a:lnSpc>
+                <a:spcPct val="100000"/>
+              </a:lnSpc>
+              <a:spcBef>
+                <a:spcPts val="0"/>
+              </a:spcBef>
+              <a:spcAft>
+                <a:spcPts val="0"/>
+              </a:spcAft>
+              <a:buClr>
+                <a:schemeClr val="dk2"/>
+              </a:buClr>
+              <a:buSzPts val="5200"/>
+              <a:buFont typeface="Barlow SemiBold"/>
+              <a:buNone/>
+              <a:defRPr sz="5200" b="0" i="0" u="none" strike="noStrike" cap="none">
+                <a:solidFill>
+                  <a:schemeClr val="dk2"/>
+                </a:solidFill>
+                <a:latin typeface="Barlow SemiBold"/>
+                <a:ea typeface="Barlow SemiBold"/>
+                <a:cs typeface="Barlow SemiBold"/>
+                <a:sym typeface="Barlow SemiBold"/>
+              </a:defRPr>
+            </a:lvl5pPr>
+            <a:lvl6pPr marR="0" lvl="5" algn="ctr" rtl="0">
+              <a:lnSpc>
+                <a:spcPct val="100000"/>
+              </a:lnSpc>
+              <a:spcBef>
+                <a:spcPts val="0"/>
+              </a:spcBef>
+              <a:spcAft>
+                <a:spcPts val="0"/>
+              </a:spcAft>
+              <a:buClr>
+                <a:schemeClr val="dk2"/>
+              </a:buClr>
+              <a:buSzPts val="5200"/>
+              <a:buFont typeface="Barlow SemiBold"/>
+              <a:buNone/>
+              <a:defRPr sz="5200" b="0" i="0" u="none" strike="noStrike" cap="none">
+                <a:solidFill>
+                  <a:schemeClr val="dk2"/>
+                </a:solidFill>
+                <a:latin typeface="Barlow SemiBold"/>
+                <a:ea typeface="Barlow SemiBold"/>
+                <a:cs typeface="Barlow SemiBold"/>
+                <a:sym typeface="Barlow SemiBold"/>
+              </a:defRPr>
+            </a:lvl6pPr>
+            <a:lvl7pPr marR="0" lvl="6" algn="ctr" rtl="0">
+              <a:lnSpc>
+                <a:spcPct val="100000"/>
+              </a:lnSpc>
+              <a:spcBef>
+                <a:spcPts val="0"/>
+              </a:spcBef>
+              <a:spcAft>
+                <a:spcPts val="0"/>
+              </a:spcAft>
+              <a:buClr>
+                <a:schemeClr val="dk2"/>
+              </a:buClr>
+              <a:buSzPts val="5200"/>
+              <a:buFont typeface="Barlow SemiBold"/>
+              <a:buNone/>
+              <a:defRPr sz="5200" b="0" i="0" u="none" strike="noStrike" cap="none">
+                <a:solidFill>
+                  <a:schemeClr val="dk2"/>
+                </a:solidFill>
+                <a:latin typeface="Barlow SemiBold"/>
+                <a:ea typeface="Barlow SemiBold"/>
+                <a:cs typeface="Barlow SemiBold"/>
+                <a:sym typeface="Barlow SemiBold"/>
+              </a:defRPr>
+            </a:lvl7pPr>
+            <a:lvl8pPr marR="0" lvl="7" algn="ctr" rtl="0">
+              <a:lnSpc>
+                <a:spcPct val="100000"/>
+              </a:lnSpc>
+              <a:spcBef>
+                <a:spcPts val="0"/>
+              </a:spcBef>
+              <a:spcAft>
+                <a:spcPts val="0"/>
+              </a:spcAft>
+              <a:buClr>
+                <a:schemeClr val="dk2"/>
+              </a:buClr>
+              <a:buSzPts val="5200"/>
+              <a:buFont typeface="Barlow SemiBold"/>
+              <a:buNone/>
+              <a:defRPr sz="5200" b="0" i="0" u="none" strike="noStrike" cap="none">
+                <a:solidFill>
+                  <a:schemeClr val="dk2"/>
+                </a:solidFill>
+                <a:latin typeface="Barlow SemiBold"/>
+                <a:ea typeface="Barlow SemiBold"/>
+                <a:cs typeface="Barlow SemiBold"/>
+                <a:sym typeface="Barlow SemiBold"/>
+              </a:defRPr>
+            </a:lvl8pPr>
+            <a:lvl9pPr marR="0" lvl="8" algn="ctr" rtl="0">
+              <a:lnSpc>
+                <a:spcPct val="100000"/>
+              </a:lnSpc>
+              <a:spcBef>
+                <a:spcPts val="0"/>
+              </a:spcBef>
+              <a:spcAft>
+                <a:spcPts val="0"/>
+              </a:spcAft>
+              <a:buClr>
+                <a:schemeClr val="dk2"/>
+              </a:buClr>
+              <a:buSzPts val="5200"/>
+              <a:buFont typeface="Barlow SemiBold"/>
+              <a:buNone/>
+              <a:defRPr sz="5200" b="0" i="0" u="none" strike="noStrike" cap="none">
+                <a:solidFill>
+                  <a:schemeClr val="dk2"/>
+                </a:solidFill>
+                <a:latin typeface="Barlow SemiBold"/>
+                <a:ea typeface="Barlow SemiBold"/>
+                <a:cs typeface="Barlow SemiBold"/>
+                <a:sym typeface="Barlow SemiBold"/>
+              </a:defRPr>
+            </a:lvl9pPr>
+          </a:lstStyle>
+          <a:p>
+            <a:pPr marL="0" marR="0" lvl="0" indent="0" algn="l" defTabSz="914400" rtl="0" eaLnBrk="1" fontAlgn="auto" latinLnBrk="0" hangingPunct="1">
+              <a:lnSpc>
+                <a:spcPct val="90000"/>
+              </a:lnSpc>
+              <a:spcBef>
+                <a:spcPts val="0"/>
+              </a:spcBef>
+              <a:spcAft>
+                <a:spcPts val="0"/>
+              </a:spcAft>
+              <a:buClr>
+                <a:srgbClr val="164A4A"/>
+              </a:buClr>
+              <a:buSzPts val="5200"/>
+              <a:buFont typeface="Commissioner"/>
+              <a:buNone/>
+              <a:tabLst/>
+              <a:defRPr/>
+            </a:pPr>
+            <a:r>
+              <a:rPr kumimoji="0" lang="en-US" sz="5000" b="1" i="0" u="none" strike="noStrike" kern="0" cap="none" spc="0" normalizeH="0" baseline="0" noProof="0" dirty="0" err="1">
+                <a:ln>
+                  <a:noFill/>
+                </a:ln>
+                <a:solidFill>
+                  <a:srgbClr val="3D4D55"/>
+                </a:solidFill>
+                <a:effectLst/>
+                <a:uLnTx/>
+                <a:uFillTx/>
+                <a:latin typeface="Arial" panose="020B0604020202020204" pitchFamily="34" charset="0"/>
+                <a:cs typeface="Arial" panose="020B0604020202020204" pitchFamily="34" charset="0"/>
+                <a:sym typeface="Commissioner ExtraBold"/>
+              </a:rPr>
+              <a:t>Demonstração</a:t>
+            </a:r>
+            <a:endParaRPr kumimoji="0" lang="en-US" sz="5000" b="1" i="0" u="none" strike="noStrike" kern="0" cap="none" spc="0" normalizeH="0" baseline="0" noProof="0" dirty="0">
+              <a:ln>
+                <a:noFill/>
+              </a:ln>
+              <a:solidFill>
+                <a:srgbClr val="3D4D55"/>
+              </a:solidFill>
+              <a:effectLst/>
+              <a:uLnTx/>
+              <a:uFillTx/>
+              <a:latin typeface="Arial" panose="020B0604020202020204" pitchFamily="34" charset="0"/>
+              <a:cs typeface="Arial" panose="020B0604020202020204" pitchFamily="34" charset="0"/>
+              <a:sym typeface="Commissioner ExtraBold"/>
+            </a:endParaRPr>
+          </a:p>
+        </p:txBody>
+      </p:sp>
+      <p:sp>
+        <p:nvSpPr>
+          <p:cNvPr id="16" name="Google Shape;1463;p74">
+            <a:extLst>
+              <a:ext uri="{FF2B5EF4-FFF2-40B4-BE49-F238E27FC236}">
+                <a16:creationId xmlns:a16="http://schemas.microsoft.com/office/drawing/2014/main" id="{B2E1E741-343A-E17F-A716-BF7EC1D36A60}"/>
+              </a:ext>
+            </a:extLst>
+          </p:cNvPr>
+          <p:cNvSpPr/>
+          <p:nvPr/>
+        </p:nvSpPr>
+        <p:spPr>
+          <a:xfrm flipH="1">
+            <a:off x="9593942" y="4558296"/>
+            <a:ext cx="2598056" cy="2589989"/>
+          </a:xfrm>
+          <a:custGeom>
+            <a:avLst/>
+            <a:gdLst/>
+            <a:ahLst/>
+            <a:cxnLst/>
+            <a:rect l="l" t="t" r="r" b="b"/>
+            <a:pathLst>
+              <a:path w="119881" h="113309" extrusionOk="0">
+                <a:moveTo>
+                  <a:pt x="20594" y="1"/>
+                </a:moveTo>
+                <a:cubicBezTo>
+                  <a:pt x="16552" y="1"/>
+                  <a:pt x="12368" y="1147"/>
+                  <a:pt x="9149" y="2790"/>
+                </a:cubicBezTo>
+                <a:cubicBezTo>
+                  <a:pt x="5471" y="4675"/>
+                  <a:pt x="1915" y="7836"/>
+                  <a:pt x="0" y="11605"/>
+                </a:cubicBezTo>
+                <a:lnTo>
+                  <a:pt x="0" y="113308"/>
+                </a:lnTo>
+                <a:lnTo>
+                  <a:pt x="117935" y="113308"/>
+                </a:lnTo>
+                <a:cubicBezTo>
+                  <a:pt x="117935" y="113308"/>
+                  <a:pt x="119881" y="98901"/>
+                  <a:pt x="102008" y="94250"/>
+                </a:cubicBezTo>
+                <a:cubicBezTo>
+                  <a:pt x="89485" y="90968"/>
+                  <a:pt x="95139" y="77472"/>
+                  <a:pt x="92190" y="68141"/>
+                </a:cubicBezTo>
+                <a:cubicBezTo>
+                  <a:pt x="88773" y="57366"/>
+                  <a:pt x="78869" y="50808"/>
+                  <a:pt x="68440" y="50808"/>
+                </a:cubicBezTo>
+                <a:cubicBezTo>
+                  <a:pt x="64953" y="50808"/>
+                  <a:pt x="61407" y="51541"/>
+                  <a:pt x="58025" y="53095"/>
+                </a:cubicBezTo>
+                <a:cubicBezTo>
+                  <a:pt x="53166" y="55347"/>
+                  <a:pt x="45940" y="60409"/>
+                  <a:pt x="39678" y="60409"/>
+                </a:cubicBezTo>
+                <a:cubicBezTo>
+                  <a:pt x="37911" y="60409"/>
+                  <a:pt x="36220" y="60005"/>
+                  <a:pt x="34681" y="59022"/>
+                </a:cubicBezTo>
+                <a:cubicBezTo>
+                  <a:pt x="26323" y="53703"/>
+                  <a:pt x="32341" y="38991"/>
+                  <a:pt x="33770" y="31635"/>
+                </a:cubicBezTo>
+                <a:cubicBezTo>
+                  <a:pt x="35381" y="23459"/>
+                  <a:pt x="36900" y="14249"/>
+                  <a:pt x="32858" y="6498"/>
+                </a:cubicBezTo>
+                <a:cubicBezTo>
+                  <a:pt x="30386" y="1757"/>
+                  <a:pt x="25599" y="1"/>
+                  <a:pt x="20594" y="1"/>
+                </a:cubicBezTo>
+                <a:close/>
+              </a:path>
+            </a:pathLst>
+          </a:custGeom>
+          <a:noFill/>
+          <a:ln>
+            <a:solidFill>
+              <a:srgbClr val="3D4D55"/>
+            </a:solidFill>
+          </a:ln>
+        </p:spPr>
+        <p:txBody>
+          <a:bodyPr spcFirstLastPara="1" wrap="square" lIns="91425" tIns="91425" rIns="91425" bIns="91425" anchor="ctr" anchorCtr="0">
+            <a:noAutofit/>
+          </a:bodyPr>
+          <a:lstStyle/>
+          <a:p>
+            <a:pPr marL="0" lvl="0" indent="0" algn="l" rtl="0">
+              <a:spcBef>
+                <a:spcPts val="0"/>
+              </a:spcBef>
+              <a:spcAft>
+                <a:spcPts val="0"/>
+              </a:spcAft>
+              <a:buNone/>
+            </a:pPr>
+            <a:endParaRPr dirty="0"/>
+          </a:p>
+        </p:txBody>
+      </p:sp>
+      <p:sp>
+        <p:nvSpPr>
+          <p:cNvPr id="2" name="Slide Number Placeholder 1">
+            <a:extLst>
+              <a:ext uri="{FF2B5EF4-FFF2-40B4-BE49-F238E27FC236}">
+                <a16:creationId xmlns:a16="http://schemas.microsoft.com/office/drawing/2014/main" id="{EE4468D3-E113-4D57-9D7F-97EA6A08324F}"/>
+              </a:ext>
+            </a:extLst>
+          </p:cNvPr>
+          <p:cNvSpPr>
+            <a:spLocks noGrp="1"/>
+          </p:cNvSpPr>
+          <p:nvPr>
+            <p:ph type="sldNum" sz="quarter" idx="12"/>
+          </p:nvPr>
+        </p:nvSpPr>
+        <p:spPr/>
+        <p:txBody>
+          <a:bodyPr/>
+          <a:lstStyle/>
+          <a:p>
+            <a:fld id="{834E4636-1AC7-4593-8425-9A7E3B693646}" type="slidenum">
+              <a:rPr lang="pt-PT" smtClean="0"/>
+              <a:t>7</a:t>
+            </a:fld>
+            <a:endParaRPr lang="pt-PT"/>
+          </a:p>
+        </p:txBody>
+      </p:sp>
+    </p:spTree>
+    <p:extLst>
+      <p:ext uri="{BB962C8B-B14F-4D97-AF65-F5344CB8AC3E}">
+        <p14:creationId xmlns:p14="http://schemas.microsoft.com/office/powerpoint/2010/main" val="493696768"/>
       </p:ext>
     </p:extLst>
   </p:cSld>
@@ -13406,1373 +13723,6 @@
     <p:extLst>
       <p:ext uri="{BB962C8B-B14F-4D97-AF65-F5344CB8AC3E}">
         <p14:creationId xmlns:p14="http://schemas.microsoft.com/office/powerpoint/2010/main" val="297441997"/>
-      </p:ext>
-    </p:extLst>
-  </p:cSld>
-  <p:clrMapOvr>
-    <a:masterClrMapping/>
-  </p:clrMapOvr>
-</p:sld>
-</file>
-
-<file path=ppt/slides/slide9.xml><?xml version="1.0" encoding="utf-8"?>
-<p:sld xmlns:a="http://schemas.openxmlformats.org/drawingml/2006/main" xmlns:r="http://schemas.openxmlformats.org/officeDocument/2006/relationships" xmlns:p="http://schemas.openxmlformats.org/presentationml/2006/main">
-  <p:cSld>
-    <p:bg>
-      <p:bgPr>
-        <a:solidFill>
-          <a:schemeClr val="bg1"/>
-        </a:solidFill>
-        <a:effectLst/>
-      </p:bgPr>
-    </p:bg>
-    <p:spTree>
-      <p:nvGrpSpPr>
-        <p:cNvPr id="1" name=""/>
-        <p:cNvGrpSpPr/>
-        <p:nvPr/>
-      </p:nvGrpSpPr>
-      <p:grpSpPr>
-        <a:xfrm>
-          <a:off x="0" y="0"/>
-          <a:ext cx="0" cy="0"/>
-          <a:chOff x="0" y="0"/>
-          <a:chExt cx="0" cy="0"/>
-        </a:xfrm>
-      </p:grpSpPr>
-      <p:sp>
-        <p:nvSpPr>
-          <p:cNvPr id="19" name="Google Shape;1461;p74">
-            <a:extLst>
-              <a:ext uri="{FF2B5EF4-FFF2-40B4-BE49-F238E27FC236}">
-                <a16:creationId xmlns:a16="http://schemas.microsoft.com/office/drawing/2014/main" id="{D2D1B2FD-B3BE-C9A2-F643-6C4255236DF4}"/>
-              </a:ext>
-            </a:extLst>
-          </p:cNvPr>
-          <p:cNvSpPr/>
-          <p:nvPr/>
-        </p:nvSpPr>
-        <p:spPr>
-          <a:xfrm rot="4324910">
-            <a:off x="10942090" y="2308251"/>
-            <a:ext cx="3339871" cy="3160289"/>
-          </a:xfrm>
-          <a:custGeom>
-            <a:avLst/>
-            <a:gdLst/>
-            <a:ahLst/>
-            <a:cxnLst/>
-            <a:rect l="l" t="t" r="r" b="b"/>
-            <a:pathLst>
-              <a:path w="71370" h="79623" extrusionOk="0">
-                <a:moveTo>
-                  <a:pt x="609" y="0"/>
-                </a:moveTo>
-                <a:cubicBezTo>
-                  <a:pt x="1" y="10578"/>
-                  <a:pt x="2949" y="24438"/>
-                  <a:pt x="14925" y="26627"/>
-                </a:cubicBezTo>
-                <a:cubicBezTo>
-                  <a:pt x="21642" y="27873"/>
-                  <a:pt x="28998" y="28116"/>
-                  <a:pt x="35168" y="31399"/>
-                </a:cubicBezTo>
-                <a:cubicBezTo>
-                  <a:pt x="51734" y="40274"/>
-                  <a:pt x="28512" y="60791"/>
-                  <a:pt x="40214" y="72828"/>
-                </a:cubicBezTo>
-                <a:cubicBezTo>
-                  <a:pt x="44913" y="77681"/>
-                  <a:pt x="50938" y="79622"/>
-                  <a:pt x="57153" y="79622"/>
-                </a:cubicBezTo>
-                <a:cubicBezTo>
-                  <a:pt x="61953" y="79622"/>
-                  <a:pt x="66866" y="78464"/>
-                  <a:pt x="71370" y="76597"/>
-                </a:cubicBezTo>
-                <a:lnTo>
-                  <a:pt x="71370" y="0"/>
-                </a:lnTo>
-                <a:close/>
-              </a:path>
-            </a:pathLst>
-          </a:custGeom>
-          <a:solidFill>
-            <a:srgbClr val="3D4D55"/>
-          </a:solidFill>
-          <a:ln>
-            <a:noFill/>
-          </a:ln>
-        </p:spPr>
-        <p:txBody>
-          <a:bodyPr spcFirstLastPara="1" wrap="square" lIns="91425" tIns="91425" rIns="91425" bIns="91425" anchor="ctr" anchorCtr="0">
-            <a:noAutofit/>
-          </a:bodyPr>
-          <a:lstStyle/>
-          <a:p>
-            <a:pPr marL="0" marR="0" lvl="0" indent="0" defTabSz="914400" eaLnBrk="1" fontAlgn="auto" latinLnBrk="0" hangingPunct="1">
-              <a:lnSpc>
-                <a:spcPct val="100000"/>
-              </a:lnSpc>
-              <a:spcBef>
-                <a:spcPts val="0"/>
-              </a:spcBef>
-              <a:spcAft>
-                <a:spcPts val="0"/>
-              </a:spcAft>
-              <a:buClr>
-                <a:srgbClr val="000000"/>
-              </a:buClr>
-              <a:buSzTx/>
-              <a:buFont typeface="Arial"/>
-              <a:buNone/>
-              <a:tabLst/>
-              <a:defRPr/>
-            </a:pPr>
-            <a:endParaRPr kumimoji="0" sz="1400" b="0" i="0" u="none" strike="noStrike" kern="0" cap="none" spc="0" normalizeH="0" baseline="0" noProof="0">
-              <a:ln>
-                <a:noFill/>
-              </a:ln>
-              <a:solidFill>
-                <a:srgbClr val="000000"/>
-              </a:solidFill>
-              <a:effectLst/>
-              <a:uLnTx/>
-              <a:uFillTx/>
-              <a:latin typeface="Arial"/>
-              <a:cs typeface="Arial"/>
-              <a:sym typeface="Arial"/>
-            </a:endParaRPr>
-          </a:p>
-        </p:txBody>
-      </p:sp>
-      <p:sp>
-        <p:nvSpPr>
-          <p:cNvPr id="12" name="Google Shape;1463;p74">
-            <a:extLst>
-              <a:ext uri="{FF2B5EF4-FFF2-40B4-BE49-F238E27FC236}">
-                <a16:creationId xmlns:a16="http://schemas.microsoft.com/office/drawing/2014/main" id="{061EF8A1-D9DB-A437-1077-218927BCC4B6}"/>
-              </a:ext>
-            </a:extLst>
-          </p:cNvPr>
-          <p:cNvSpPr/>
-          <p:nvPr/>
-        </p:nvSpPr>
-        <p:spPr>
-          <a:xfrm rot="5400000">
-            <a:off x="-3128644" y="3201211"/>
-            <a:ext cx="9566543" cy="2714171"/>
-          </a:xfrm>
-          <a:custGeom>
-            <a:avLst/>
-            <a:gdLst/>
-            <a:ahLst/>
-            <a:cxnLst/>
-            <a:rect l="l" t="t" r="r" b="b"/>
-            <a:pathLst>
-              <a:path w="119881" h="113309" extrusionOk="0">
-                <a:moveTo>
-                  <a:pt x="20594" y="1"/>
-                </a:moveTo>
-                <a:cubicBezTo>
-                  <a:pt x="16552" y="1"/>
-                  <a:pt x="12368" y="1147"/>
-                  <a:pt x="9149" y="2790"/>
-                </a:cubicBezTo>
-                <a:cubicBezTo>
-                  <a:pt x="5471" y="4675"/>
-                  <a:pt x="1915" y="7836"/>
-                  <a:pt x="0" y="11605"/>
-                </a:cubicBezTo>
-                <a:lnTo>
-                  <a:pt x="0" y="113308"/>
-                </a:lnTo>
-                <a:lnTo>
-                  <a:pt x="117935" y="113308"/>
-                </a:lnTo>
-                <a:cubicBezTo>
-                  <a:pt x="117935" y="113308"/>
-                  <a:pt x="119881" y="98901"/>
-                  <a:pt x="102008" y="94250"/>
-                </a:cubicBezTo>
-                <a:cubicBezTo>
-                  <a:pt x="89485" y="90968"/>
-                  <a:pt x="95139" y="77472"/>
-                  <a:pt x="92190" y="68141"/>
-                </a:cubicBezTo>
-                <a:cubicBezTo>
-                  <a:pt x="88773" y="57366"/>
-                  <a:pt x="78869" y="50808"/>
-                  <a:pt x="68440" y="50808"/>
-                </a:cubicBezTo>
-                <a:cubicBezTo>
-                  <a:pt x="64953" y="50808"/>
-                  <a:pt x="61407" y="51541"/>
-                  <a:pt x="58025" y="53095"/>
-                </a:cubicBezTo>
-                <a:cubicBezTo>
-                  <a:pt x="53166" y="55347"/>
-                  <a:pt x="45940" y="60409"/>
-                  <a:pt x="39678" y="60409"/>
-                </a:cubicBezTo>
-                <a:cubicBezTo>
-                  <a:pt x="37911" y="60409"/>
-                  <a:pt x="36220" y="60005"/>
-                  <a:pt x="34681" y="59022"/>
-                </a:cubicBezTo>
-                <a:cubicBezTo>
-                  <a:pt x="26323" y="53703"/>
-                  <a:pt x="32341" y="38991"/>
-                  <a:pt x="33770" y="31635"/>
-                </a:cubicBezTo>
-                <a:cubicBezTo>
-                  <a:pt x="35381" y="23459"/>
-                  <a:pt x="36900" y="14249"/>
-                  <a:pt x="32858" y="6498"/>
-                </a:cubicBezTo>
-                <a:cubicBezTo>
-                  <a:pt x="30386" y="1757"/>
-                  <a:pt x="25599" y="1"/>
-                  <a:pt x="20594" y="1"/>
-                </a:cubicBezTo>
-                <a:close/>
-              </a:path>
-            </a:pathLst>
-          </a:custGeom>
-          <a:solidFill>
-            <a:srgbClr val="ACDBD3"/>
-          </a:solidFill>
-          <a:ln>
-            <a:noFill/>
-          </a:ln>
-        </p:spPr>
-        <p:txBody>
-          <a:bodyPr spcFirstLastPara="1" wrap="square" lIns="91425" tIns="91425" rIns="91425" bIns="91425" anchor="ctr" anchorCtr="0">
-            <a:noAutofit/>
-          </a:bodyPr>
-          <a:lstStyle/>
-          <a:p>
-            <a:pPr marL="0" marR="0" lvl="0" indent="0" defTabSz="914400" eaLnBrk="1" fontAlgn="auto" latinLnBrk="0" hangingPunct="1">
-              <a:lnSpc>
-                <a:spcPct val="100000"/>
-              </a:lnSpc>
-              <a:spcBef>
-                <a:spcPts val="0"/>
-              </a:spcBef>
-              <a:spcAft>
-                <a:spcPts val="0"/>
-              </a:spcAft>
-              <a:buClr>
-                <a:srgbClr val="000000"/>
-              </a:buClr>
-              <a:buSzTx/>
-              <a:buFont typeface="Arial"/>
-              <a:buNone/>
-              <a:tabLst/>
-              <a:defRPr/>
-            </a:pPr>
-            <a:endParaRPr kumimoji="0" sz="1400" b="0" i="0" u="none" strike="noStrike" kern="0" cap="none" spc="0" normalizeH="0" baseline="0" noProof="0">
-              <a:ln>
-                <a:noFill/>
-              </a:ln>
-              <a:solidFill>
-                <a:srgbClr val="000000"/>
-              </a:solidFill>
-              <a:effectLst/>
-              <a:uLnTx/>
-              <a:uFillTx/>
-              <a:latin typeface="Arial"/>
-              <a:cs typeface="Arial"/>
-              <a:sym typeface="Arial"/>
-            </a:endParaRPr>
-          </a:p>
-        </p:txBody>
-      </p:sp>
-      <p:sp>
-        <p:nvSpPr>
-          <p:cNvPr id="11" name="Google Shape;1463;p74">
-            <a:extLst>
-              <a:ext uri="{FF2B5EF4-FFF2-40B4-BE49-F238E27FC236}">
-                <a16:creationId xmlns:a16="http://schemas.microsoft.com/office/drawing/2014/main" id="{75787EDF-FF7F-96CD-CE95-04876C9FC9BF}"/>
-              </a:ext>
-            </a:extLst>
-          </p:cNvPr>
-          <p:cNvSpPr/>
-          <p:nvPr/>
-        </p:nvSpPr>
-        <p:spPr>
-          <a:xfrm rot="5400000">
-            <a:off x="-3426185" y="2439211"/>
-            <a:ext cx="9566543" cy="2714171"/>
-          </a:xfrm>
-          <a:custGeom>
-            <a:avLst/>
-            <a:gdLst/>
-            <a:ahLst/>
-            <a:cxnLst/>
-            <a:rect l="l" t="t" r="r" b="b"/>
-            <a:pathLst>
-              <a:path w="119881" h="113309" extrusionOk="0">
-                <a:moveTo>
-                  <a:pt x="20594" y="1"/>
-                </a:moveTo>
-                <a:cubicBezTo>
-                  <a:pt x="16552" y="1"/>
-                  <a:pt x="12368" y="1147"/>
-                  <a:pt x="9149" y="2790"/>
-                </a:cubicBezTo>
-                <a:cubicBezTo>
-                  <a:pt x="5471" y="4675"/>
-                  <a:pt x="1915" y="7836"/>
-                  <a:pt x="0" y="11605"/>
-                </a:cubicBezTo>
-                <a:lnTo>
-                  <a:pt x="0" y="113308"/>
-                </a:lnTo>
-                <a:lnTo>
-                  <a:pt x="117935" y="113308"/>
-                </a:lnTo>
-                <a:cubicBezTo>
-                  <a:pt x="117935" y="113308"/>
-                  <a:pt x="119881" y="98901"/>
-                  <a:pt x="102008" y="94250"/>
-                </a:cubicBezTo>
-                <a:cubicBezTo>
-                  <a:pt x="89485" y="90968"/>
-                  <a:pt x="95139" y="77472"/>
-                  <a:pt x="92190" y="68141"/>
-                </a:cubicBezTo>
-                <a:cubicBezTo>
-                  <a:pt x="88773" y="57366"/>
-                  <a:pt x="78869" y="50808"/>
-                  <a:pt x="68440" y="50808"/>
-                </a:cubicBezTo>
-                <a:cubicBezTo>
-                  <a:pt x="64953" y="50808"/>
-                  <a:pt x="61407" y="51541"/>
-                  <a:pt x="58025" y="53095"/>
-                </a:cubicBezTo>
-                <a:cubicBezTo>
-                  <a:pt x="53166" y="55347"/>
-                  <a:pt x="45940" y="60409"/>
-                  <a:pt x="39678" y="60409"/>
-                </a:cubicBezTo>
-                <a:cubicBezTo>
-                  <a:pt x="37911" y="60409"/>
-                  <a:pt x="36220" y="60005"/>
-                  <a:pt x="34681" y="59022"/>
-                </a:cubicBezTo>
-                <a:cubicBezTo>
-                  <a:pt x="26323" y="53703"/>
-                  <a:pt x="32341" y="38991"/>
-                  <a:pt x="33770" y="31635"/>
-                </a:cubicBezTo>
-                <a:cubicBezTo>
-                  <a:pt x="35381" y="23459"/>
-                  <a:pt x="36900" y="14249"/>
-                  <a:pt x="32858" y="6498"/>
-                </a:cubicBezTo>
-                <a:cubicBezTo>
-                  <a:pt x="30386" y="1757"/>
-                  <a:pt x="25599" y="1"/>
-                  <a:pt x="20594" y="1"/>
-                </a:cubicBezTo>
-                <a:close/>
-              </a:path>
-            </a:pathLst>
-          </a:custGeom>
-          <a:solidFill>
-            <a:srgbClr val="3F4853"/>
-          </a:solidFill>
-          <a:ln>
-            <a:noFill/>
-          </a:ln>
-        </p:spPr>
-        <p:txBody>
-          <a:bodyPr spcFirstLastPara="1" wrap="square" lIns="91425" tIns="91425" rIns="91425" bIns="91425" anchor="ctr" anchorCtr="0">
-            <a:noAutofit/>
-          </a:bodyPr>
-          <a:lstStyle/>
-          <a:p>
-            <a:pPr marL="0" marR="0" lvl="0" indent="0" defTabSz="914400" eaLnBrk="1" fontAlgn="auto" latinLnBrk="0" hangingPunct="1">
-              <a:lnSpc>
-                <a:spcPct val="100000"/>
-              </a:lnSpc>
-              <a:spcBef>
-                <a:spcPts val="0"/>
-              </a:spcBef>
-              <a:spcAft>
-                <a:spcPts val="0"/>
-              </a:spcAft>
-              <a:buClr>
-                <a:srgbClr val="000000"/>
-              </a:buClr>
-              <a:buSzTx/>
-              <a:buFont typeface="Arial"/>
-              <a:buNone/>
-              <a:tabLst/>
-              <a:defRPr/>
-            </a:pPr>
-            <a:endParaRPr kumimoji="0" sz="1400" b="0" i="0" u="none" strike="noStrike" kern="0" cap="none" spc="0" normalizeH="0" baseline="0" noProof="0">
-              <a:ln>
-                <a:noFill/>
-              </a:ln>
-              <a:solidFill>
-                <a:srgbClr val="000000"/>
-              </a:solidFill>
-              <a:effectLst/>
-              <a:uLnTx/>
-              <a:uFillTx/>
-              <a:latin typeface="Arial"/>
-              <a:cs typeface="Arial"/>
-              <a:sym typeface="Arial"/>
-            </a:endParaRPr>
-          </a:p>
-        </p:txBody>
-      </p:sp>
-      <p:sp>
-        <p:nvSpPr>
-          <p:cNvPr id="13" name="Google Shape;1463;p74">
-            <a:extLst>
-              <a:ext uri="{FF2B5EF4-FFF2-40B4-BE49-F238E27FC236}">
-                <a16:creationId xmlns:a16="http://schemas.microsoft.com/office/drawing/2014/main" id="{B24596DA-27BE-E6A5-26A2-FDF859963FED}"/>
-              </a:ext>
-            </a:extLst>
-          </p:cNvPr>
-          <p:cNvSpPr/>
-          <p:nvPr/>
-        </p:nvSpPr>
-        <p:spPr>
-          <a:xfrm rot="6187808">
-            <a:off x="-977313" y="-437164"/>
-            <a:ext cx="3763883" cy="2944454"/>
-          </a:xfrm>
-          <a:custGeom>
-            <a:avLst/>
-            <a:gdLst/>
-            <a:ahLst/>
-            <a:cxnLst/>
-            <a:rect l="l" t="t" r="r" b="b"/>
-            <a:pathLst>
-              <a:path w="119881" h="113309" extrusionOk="0">
-                <a:moveTo>
-                  <a:pt x="20594" y="1"/>
-                </a:moveTo>
-                <a:cubicBezTo>
-                  <a:pt x="16552" y="1"/>
-                  <a:pt x="12368" y="1147"/>
-                  <a:pt x="9149" y="2790"/>
-                </a:cubicBezTo>
-                <a:cubicBezTo>
-                  <a:pt x="5471" y="4675"/>
-                  <a:pt x="1915" y="7836"/>
-                  <a:pt x="0" y="11605"/>
-                </a:cubicBezTo>
-                <a:lnTo>
-                  <a:pt x="0" y="113308"/>
-                </a:lnTo>
-                <a:lnTo>
-                  <a:pt x="117935" y="113308"/>
-                </a:lnTo>
-                <a:cubicBezTo>
-                  <a:pt x="117935" y="113308"/>
-                  <a:pt x="119881" y="98901"/>
-                  <a:pt x="102008" y="94250"/>
-                </a:cubicBezTo>
-                <a:cubicBezTo>
-                  <a:pt x="89485" y="90968"/>
-                  <a:pt x="95139" y="77472"/>
-                  <a:pt x="92190" y="68141"/>
-                </a:cubicBezTo>
-                <a:cubicBezTo>
-                  <a:pt x="88773" y="57366"/>
-                  <a:pt x="78869" y="50808"/>
-                  <a:pt x="68440" y="50808"/>
-                </a:cubicBezTo>
-                <a:cubicBezTo>
-                  <a:pt x="64953" y="50808"/>
-                  <a:pt x="61407" y="51541"/>
-                  <a:pt x="58025" y="53095"/>
-                </a:cubicBezTo>
-                <a:cubicBezTo>
-                  <a:pt x="53166" y="55347"/>
-                  <a:pt x="45940" y="60409"/>
-                  <a:pt x="39678" y="60409"/>
-                </a:cubicBezTo>
-                <a:cubicBezTo>
-                  <a:pt x="37911" y="60409"/>
-                  <a:pt x="36220" y="60005"/>
-                  <a:pt x="34681" y="59022"/>
-                </a:cubicBezTo>
-                <a:cubicBezTo>
-                  <a:pt x="26323" y="53703"/>
-                  <a:pt x="32341" y="38991"/>
-                  <a:pt x="33770" y="31635"/>
-                </a:cubicBezTo>
-                <a:cubicBezTo>
-                  <a:pt x="35381" y="23459"/>
-                  <a:pt x="36900" y="14249"/>
-                  <a:pt x="32858" y="6498"/>
-                </a:cubicBezTo>
-                <a:cubicBezTo>
-                  <a:pt x="30386" y="1757"/>
-                  <a:pt x="25599" y="1"/>
-                  <a:pt x="20594" y="1"/>
-                </a:cubicBezTo>
-                <a:close/>
-              </a:path>
-            </a:pathLst>
-          </a:custGeom>
-          <a:noFill/>
-          <a:ln>
-            <a:solidFill>
-              <a:srgbClr val="ACDBD3"/>
-            </a:solidFill>
-          </a:ln>
-        </p:spPr>
-        <p:txBody>
-          <a:bodyPr spcFirstLastPara="1" wrap="square" lIns="91425" tIns="91425" rIns="91425" bIns="91425" anchor="ctr" anchorCtr="0">
-            <a:noAutofit/>
-          </a:bodyPr>
-          <a:lstStyle/>
-          <a:p>
-            <a:pPr marL="0" marR="0" lvl="0" indent="0" defTabSz="914400" eaLnBrk="1" fontAlgn="auto" latinLnBrk="0" hangingPunct="1">
-              <a:lnSpc>
-                <a:spcPct val="100000"/>
-              </a:lnSpc>
-              <a:spcBef>
-                <a:spcPts val="0"/>
-              </a:spcBef>
-              <a:spcAft>
-                <a:spcPts val="0"/>
-              </a:spcAft>
-              <a:buClr>
-                <a:srgbClr val="000000"/>
-              </a:buClr>
-              <a:buSzTx/>
-              <a:buFont typeface="Arial"/>
-              <a:buNone/>
-              <a:tabLst/>
-              <a:defRPr/>
-            </a:pPr>
-            <a:endParaRPr kumimoji="0" sz="1400" b="0" i="0" u="none" strike="noStrike" kern="0" cap="none" spc="0" normalizeH="0" baseline="0" noProof="0">
-              <a:ln>
-                <a:noFill/>
-              </a:ln>
-              <a:solidFill>
-                <a:srgbClr val="000000"/>
-              </a:solidFill>
-              <a:effectLst/>
-              <a:uLnTx/>
-              <a:uFillTx/>
-              <a:latin typeface="Arial"/>
-              <a:cs typeface="Arial"/>
-              <a:sym typeface="Arial"/>
-            </a:endParaRPr>
-          </a:p>
-        </p:txBody>
-      </p:sp>
-      <p:sp>
-        <p:nvSpPr>
-          <p:cNvPr id="15" name="Google Shape;1456;p74">
-            <a:extLst>
-              <a:ext uri="{FF2B5EF4-FFF2-40B4-BE49-F238E27FC236}">
-                <a16:creationId xmlns:a16="http://schemas.microsoft.com/office/drawing/2014/main" id="{B1C0096E-F9DC-46F7-8356-E4DC7EAFD62A}"/>
-              </a:ext>
-            </a:extLst>
-          </p:cNvPr>
-          <p:cNvSpPr/>
-          <p:nvPr/>
-        </p:nvSpPr>
-        <p:spPr>
-          <a:xfrm rot="8516003">
-            <a:off x="9219064" y="5413071"/>
-            <a:ext cx="3573785" cy="2322295"/>
-          </a:xfrm>
-          <a:custGeom>
-            <a:avLst/>
-            <a:gdLst/>
-            <a:ahLst/>
-            <a:cxnLst/>
-            <a:rect l="l" t="t" r="r" b="b"/>
-            <a:pathLst>
-              <a:path w="71719" h="46604" extrusionOk="0">
-                <a:moveTo>
-                  <a:pt x="29382" y="0"/>
-                </a:moveTo>
-                <a:cubicBezTo>
-                  <a:pt x="11785" y="0"/>
-                  <a:pt x="3670" y="13663"/>
-                  <a:pt x="3670" y="13663"/>
-                </a:cubicBezTo>
-                <a:cubicBezTo>
-                  <a:pt x="1" y="19267"/>
-                  <a:pt x="1568" y="26839"/>
-                  <a:pt x="7206" y="30509"/>
-                </a:cubicBezTo>
-                <a:cubicBezTo>
-                  <a:pt x="9266" y="31845"/>
-                  <a:pt x="11583" y="32485"/>
-                  <a:pt x="13864" y="32485"/>
-                </a:cubicBezTo>
-                <a:cubicBezTo>
-                  <a:pt x="14315" y="32485"/>
-                  <a:pt x="14765" y="32460"/>
-                  <a:pt x="15211" y="32410"/>
-                </a:cubicBezTo>
-                <a:cubicBezTo>
-                  <a:pt x="16145" y="32310"/>
-                  <a:pt x="17046" y="32110"/>
-                  <a:pt x="17913" y="31776"/>
-                </a:cubicBezTo>
-                <a:cubicBezTo>
-                  <a:pt x="19417" y="31509"/>
-                  <a:pt x="20791" y="31392"/>
-                  <a:pt x="22045" y="31392"/>
-                </a:cubicBezTo>
-                <a:cubicBezTo>
-                  <a:pt x="28943" y="31392"/>
-                  <a:pt x="32211" y="34950"/>
-                  <a:pt x="33424" y="36813"/>
-                </a:cubicBezTo>
-                <a:cubicBezTo>
-                  <a:pt x="33591" y="37113"/>
-                  <a:pt x="33758" y="37414"/>
-                  <a:pt x="33925" y="37647"/>
-                </a:cubicBezTo>
-                <a:lnTo>
-                  <a:pt x="34058" y="37914"/>
-                </a:lnTo>
-                <a:lnTo>
-                  <a:pt x="34092" y="37881"/>
-                </a:lnTo>
-                <a:cubicBezTo>
-                  <a:pt x="35526" y="40049"/>
-                  <a:pt x="37394" y="41984"/>
-                  <a:pt x="39696" y="43485"/>
-                </a:cubicBezTo>
-                <a:cubicBezTo>
-                  <a:pt x="42915" y="45595"/>
-                  <a:pt x="46532" y="46603"/>
-                  <a:pt x="50107" y="46603"/>
-                </a:cubicBezTo>
-                <a:cubicBezTo>
-                  <a:pt x="56310" y="46603"/>
-                  <a:pt x="62387" y="43567"/>
-                  <a:pt x="66048" y="37981"/>
-                </a:cubicBezTo>
-                <a:cubicBezTo>
-                  <a:pt x="71718" y="29208"/>
-                  <a:pt x="69250" y="17399"/>
-                  <a:pt x="60444" y="11662"/>
-                </a:cubicBezTo>
-                <a:cubicBezTo>
-                  <a:pt x="60010" y="11362"/>
-                  <a:pt x="59543" y="11061"/>
-                  <a:pt x="59076" y="10828"/>
-                </a:cubicBezTo>
-                <a:cubicBezTo>
-                  <a:pt x="47169" y="2776"/>
-                  <a:pt x="37312" y="0"/>
-                  <a:pt x="29382" y="0"/>
-                </a:cubicBezTo>
-                <a:close/>
-              </a:path>
-            </a:pathLst>
-          </a:custGeom>
-          <a:solidFill>
-            <a:srgbClr val="ACDBD3"/>
-          </a:solidFill>
-          <a:ln>
-            <a:noFill/>
-          </a:ln>
-        </p:spPr>
-        <p:txBody>
-          <a:bodyPr spcFirstLastPara="1" wrap="square" lIns="91425" tIns="91425" rIns="91425" bIns="91425" anchor="ctr" anchorCtr="0">
-            <a:noAutofit/>
-          </a:bodyPr>
-          <a:lstStyle/>
-          <a:p>
-            <a:pPr marL="0" marR="0" lvl="0" indent="0" defTabSz="914400" eaLnBrk="1" fontAlgn="auto" latinLnBrk="0" hangingPunct="1">
-              <a:lnSpc>
-                <a:spcPct val="100000"/>
-              </a:lnSpc>
-              <a:spcBef>
-                <a:spcPts val="0"/>
-              </a:spcBef>
-              <a:spcAft>
-                <a:spcPts val="0"/>
-              </a:spcAft>
-              <a:buClr>
-                <a:srgbClr val="000000"/>
-              </a:buClr>
-              <a:buSzTx/>
-              <a:buFont typeface="Arial"/>
-              <a:buNone/>
-              <a:tabLst/>
-              <a:defRPr/>
-            </a:pPr>
-            <a:endParaRPr kumimoji="0" sz="1400" b="0" i="0" u="none" strike="noStrike" kern="0" cap="none" spc="0" normalizeH="0" baseline="0" noProof="0">
-              <a:ln>
-                <a:noFill/>
-              </a:ln>
-              <a:solidFill>
-                <a:srgbClr val="000000"/>
-              </a:solidFill>
-              <a:effectLst/>
-              <a:uLnTx/>
-              <a:uFillTx/>
-              <a:latin typeface="Arial"/>
-              <a:cs typeface="Arial"/>
-              <a:sym typeface="Arial"/>
-            </a:endParaRPr>
-          </a:p>
-        </p:txBody>
-      </p:sp>
-      <p:sp>
-        <p:nvSpPr>
-          <p:cNvPr id="17" name="Google Shape;1456;p74">
-            <a:extLst>
-              <a:ext uri="{FF2B5EF4-FFF2-40B4-BE49-F238E27FC236}">
-                <a16:creationId xmlns:a16="http://schemas.microsoft.com/office/drawing/2014/main" id="{A1DC0FCF-72F1-6D51-F56D-186BBA4114EC}"/>
-              </a:ext>
-            </a:extLst>
-          </p:cNvPr>
-          <p:cNvSpPr/>
-          <p:nvPr/>
-        </p:nvSpPr>
-        <p:spPr>
-          <a:xfrm rot="8516003">
-            <a:off x="9897076" y="5138610"/>
-            <a:ext cx="1433457" cy="699454"/>
-          </a:xfrm>
-          <a:custGeom>
-            <a:avLst/>
-            <a:gdLst/>
-            <a:ahLst/>
-            <a:cxnLst/>
-            <a:rect l="l" t="t" r="r" b="b"/>
-            <a:pathLst>
-              <a:path w="71719" h="46604" extrusionOk="0">
-                <a:moveTo>
-                  <a:pt x="29382" y="0"/>
-                </a:moveTo>
-                <a:cubicBezTo>
-                  <a:pt x="11785" y="0"/>
-                  <a:pt x="3670" y="13663"/>
-                  <a:pt x="3670" y="13663"/>
-                </a:cubicBezTo>
-                <a:cubicBezTo>
-                  <a:pt x="1" y="19267"/>
-                  <a:pt x="1568" y="26839"/>
-                  <a:pt x="7206" y="30509"/>
-                </a:cubicBezTo>
-                <a:cubicBezTo>
-                  <a:pt x="9266" y="31845"/>
-                  <a:pt x="11583" y="32485"/>
-                  <a:pt x="13864" y="32485"/>
-                </a:cubicBezTo>
-                <a:cubicBezTo>
-                  <a:pt x="14315" y="32485"/>
-                  <a:pt x="14765" y="32460"/>
-                  <a:pt x="15211" y="32410"/>
-                </a:cubicBezTo>
-                <a:cubicBezTo>
-                  <a:pt x="16145" y="32310"/>
-                  <a:pt x="17046" y="32110"/>
-                  <a:pt x="17913" y="31776"/>
-                </a:cubicBezTo>
-                <a:cubicBezTo>
-                  <a:pt x="19417" y="31509"/>
-                  <a:pt x="20791" y="31392"/>
-                  <a:pt x="22045" y="31392"/>
-                </a:cubicBezTo>
-                <a:cubicBezTo>
-                  <a:pt x="28943" y="31392"/>
-                  <a:pt x="32211" y="34950"/>
-                  <a:pt x="33424" y="36813"/>
-                </a:cubicBezTo>
-                <a:cubicBezTo>
-                  <a:pt x="33591" y="37113"/>
-                  <a:pt x="33758" y="37414"/>
-                  <a:pt x="33925" y="37647"/>
-                </a:cubicBezTo>
-                <a:lnTo>
-                  <a:pt x="34058" y="37914"/>
-                </a:lnTo>
-                <a:lnTo>
-                  <a:pt x="34092" y="37881"/>
-                </a:lnTo>
-                <a:cubicBezTo>
-                  <a:pt x="35526" y="40049"/>
-                  <a:pt x="37394" y="41984"/>
-                  <a:pt x="39696" y="43485"/>
-                </a:cubicBezTo>
-                <a:cubicBezTo>
-                  <a:pt x="42915" y="45595"/>
-                  <a:pt x="46532" y="46603"/>
-                  <a:pt x="50107" y="46603"/>
-                </a:cubicBezTo>
-                <a:cubicBezTo>
-                  <a:pt x="56310" y="46603"/>
-                  <a:pt x="62387" y="43567"/>
-                  <a:pt x="66048" y="37981"/>
-                </a:cubicBezTo>
-                <a:cubicBezTo>
-                  <a:pt x="71718" y="29208"/>
-                  <a:pt x="69250" y="17399"/>
-                  <a:pt x="60444" y="11662"/>
-                </a:cubicBezTo>
-                <a:cubicBezTo>
-                  <a:pt x="60010" y="11362"/>
-                  <a:pt x="59543" y="11061"/>
-                  <a:pt x="59076" y="10828"/>
-                </a:cubicBezTo>
-                <a:cubicBezTo>
-                  <a:pt x="47169" y="2776"/>
-                  <a:pt x="37312" y="0"/>
-                  <a:pt x="29382" y="0"/>
-                </a:cubicBezTo>
-                <a:close/>
-              </a:path>
-            </a:pathLst>
-          </a:custGeom>
-          <a:solidFill>
-            <a:srgbClr val="ACDBD3"/>
-          </a:solidFill>
-          <a:ln>
-            <a:noFill/>
-          </a:ln>
-        </p:spPr>
-        <p:txBody>
-          <a:bodyPr spcFirstLastPara="1" wrap="square" lIns="91425" tIns="91425" rIns="91425" bIns="91425" anchor="ctr" anchorCtr="0">
-            <a:noAutofit/>
-          </a:bodyPr>
-          <a:lstStyle/>
-          <a:p>
-            <a:pPr marL="0" marR="0" lvl="0" indent="0" defTabSz="914400" eaLnBrk="1" fontAlgn="auto" latinLnBrk="0" hangingPunct="1">
-              <a:lnSpc>
-                <a:spcPct val="100000"/>
-              </a:lnSpc>
-              <a:spcBef>
-                <a:spcPts val="0"/>
-              </a:spcBef>
-              <a:spcAft>
-                <a:spcPts val="0"/>
-              </a:spcAft>
-              <a:buClr>
-                <a:srgbClr val="000000"/>
-              </a:buClr>
-              <a:buSzTx/>
-              <a:buFont typeface="Arial"/>
-              <a:buNone/>
-              <a:tabLst/>
-              <a:defRPr/>
-            </a:pPr>
-            <a:endParaRPr kumimoji="0" sz="1400" b="0" i="0" u="none" strike="noStrike" kern="0" cap="none" spc="0" normalizeH="0" baseline="0" noProof="0">
-              <a:ln>
-                <a:noFill/>
-              </a:ln>
-              <a:solidFill>
-                <a:srgbClr val="000000"/>
-              </a:solidFill>
-              <a:effectLst/>
-              <a:uLnTx/>
-              <a:uFillTx/>
-              <a:latin typeface="Arial"/>
-              <a:cs typeface="Arial"/>
-              <a:sym typeface="Arial"/>
-            </a:endParaRPr>
-          </a:p>
-        </p:txBody>
-      </p:sp>
-      <p:sp>
-        <p:nvSpPr>
-          <p:cNvPr id="20" name="Google Shape;296;p37">
-            <a:extLst>
-              <a:ext uri="{FF2B5EF4-FFF2-40B4-BE49-F238E27FC236}">
-                <a16:creationId xmlns:a16="http://schemas.microsoft.com/office/drawing/2014/main" id="{6F80C132-B390-6458-195D-9AF8B7675B12}"/>
-              </a:ext>
-            </a:extLst>
-          </p:cNvPr>
-          <p:cNvSpPr txBox="1">
-            <a:spLocks/>
-          </p:cNvSpPr>
-          <p:nvPr/>
-        </p:nvSpPr>
-        <p:spPr>
-          <a:xfrm>
-            <a:off x="3883481" y="3113223"/>
-            <a:ext cx="4425037" cy="631554"/>
-          </a:xfrm>
-          <a:prstGeom prst="rect">
-            <a:avLst/>
-          </a:prstGeom>
-          <a:noFill/>
-          <a:ln>
-            <a:noFill/>
-          </a:ln>
-        </p:spPr>
-        <p:txBody>
-          <a:bodyPr spcFirstLastPara="1" wrap="square" lIns="0" tIns="0" rIns="0" bIns="0" anchor="t" anchorCtr="0">
-            <a:noAutofit/>
-          </a:bodyPr>
-          <a:lstStyle>
-            <a:defPPr marR="0" lvl="0" algn="l" rtl="0">
-              <a:lnSpc>
-                <a:spcPct val="100000"/>
-              </a:lnSpc>
-              <a:spcBef>
-                <a:spcPts val="0"/>
-              </a:spcBef>
-              <a:spcAft>
-                <a:spcPts val="0"/>
-              </a:spcAft>
-            </a:defPPr>
-            <a:lvl1pPr marL="0" marR="0" lvl="0" indent="0" algn="l" rtl="0">
-              <a:lnSpc>
-                <a:spcPct val="90000"/>
-              </a:lnSpc>
-              <a:spcBef>
-                <a:spcPts val="0"/>
-              </a:spcBef>
-              <a:spcAft>
-                <a:spcPts val="0"/>
-              </a:spcAft>
-              <a:buClr>
-                <a:schemeClr val="dk2"/>
-              </a:buClr>
-              <a:buSzPts val="5200"/>
-              <a:buFont typeface="Commissioner"/>
-              <a:buNone/>
-              <a:defRPr sz="5000" b="0" i="0" u="none" strike="noStrike" cap="none">
-                <a:solidFill>
-                  <a:schemeClr val="dk2"/>
-                </a:solidFill>
-                <a:latin typeface="Commissioner ExtraBold"/>
-                <a:ea typeface="Commissioner ExtraBold"/>
-                <a:cs typeface="Commissioner ExtraBold"/>
-                <a:sym typeface="Commissioner ExtraBold"/>
-              </a:defRPr>
-            </a:lvl1pPr>
-            <a:lvl2pPr marR="0" lvl="1" algn="ctr" rtl="0">
-              <a:lnSpc>
-                <a:spcPct val="100000"/>
-              </a:lnSpc>
-              <a:spcBef>
-                <a:spcPts val="0"/>
-              </a:spcBef>
-              <a:spcAft>
-                <a:spcPts val="0"/>
-              </a:spcAft>
-              <a:buClr>
-                <a:schemeClr val="dk2"/>
-              </a:buClr>
-              <a:buSzPts val="5200"/>
-              <a:buFont typeface="Barlow SemiBold"/>
-              <a:buNone/>
-              <a:defRPr sz="5200" b="0" i="0" u="none" strike="noStrike" cap="none">
-                <a:solidFill>
-                  <a:schemeClr val="dk2"/>
-                </a:solidFill>
-                <a:latin typeface="Barlow SemiBold"/>
-                <a:ea typeface="Barlow SemiBold"/>
-                <a:cs typeface="Barlow SemiBold"/>
-                <a:sym typeface="Barlow SemiBold"/>
-              </a:defRPr>
-            </a:lvl2pPr>
-            <a:lvl3pPr marR="0" lvl="2" algn="ctr" rtl="0">
-              <a:lnSpc>
-                <a:spcPct val="100000"/>
-              </a:lnSpc>
-              <a:spcBef>
-                <a:spcPts val="0"/>
-              </a:spcBef>
-              <a:spcAft>
-                <a:spcPts val="0"/>
-              </a:spcAft>
-              <a:buClr>
-                <a:schemeClr val="dk2"/>
-              </a:buClr>
-              <a:buSzPts val="5200"/>
-              <a:buFont typeface="Barlow SemiBold"/>
-              <a:buNone/>
-              <a:defRPr sz="5200" b="0" i="0" u="none" strike="noStrike" cap="none">
-                <a:solidFill>
-                  <a:schemeClr val="dk2"/>
-                </a:solidFill>
-                <a:latin typeface="Barlow SemiBold"/>
-                <a:ea typeface="Barlow SemiBold"/>
-                <a:cs typeface="Barlow SemiBold"/>
-                <a:sym typeface="Barlow SemiBold"/>
-              </a:defRPr>
-            </a:lvl3pPr>
-            <a:lvl4pPr marR="0" lvl="3" algn="ctr" rtl="0">
-              <a:lnSpc>
-                <a:spcPct val="100000"/>
-              </a:lnSpc>
-              <a:spcBef>
-                <a:spcPts val="0"/>
-              </a:spcBef>
-              <a:spcAft>
-                <a:spcPts val="0"/>
-              </a:spcAft>
-              <a:buClr>
-                <a:schemeClr val="dk2"/>
-              </a:buClr>
-              <a:buSzPts val="5200"/>
-              <a:buFont typeface="Barlow SemiBold"/>
-              <a:buNone/>
-              <a:defRPr sz="5200" b="0" i="0" u="none" strike="noStrike" cap="none">
-                <a:solidFill>
-                  <a:schemeClr val="dk2"/>
-                </a:solidFill>
-                <a:latin typeface="Barlow SemiBold"/>
-                <a:ea typeface="Barlow SemiBold"/>
-                <a:cs typeface="Barlow SemiBold"/>
-                <a:sym typeface="Barlow SemiBold"/>
-              </a:defRPr>
-            </a:lvl4pPr>
-            <a:lvl5pPr marR="0" lvl="4" algn="ctr" rtl="0">
-              <a:lnSpc>
-                <a:spcPct val="100000"/>
-              </a:lnSpc>
-              <a:spcBef>
-                <a:spcPts val="0"/>
-              </a:spcBef>
-              <a:spcAft>
-                <a:spcPts val="0"/>
-              </a:spcAft>
-              <a:buClr>
-                <a:schemeClr val="dk2"/>
-              </a:buClr>
-              <a:buSzPts val="5200"/>
-              <a:buFont typeface="Barlow SemiBold"/>
-              <a:buNone/>
-              <a:defRPr sz="5200" b="0" i="0" u="none" strike="noStrike" cap="none">
-                <a:solidFill>
-                  <a:schemeClr val="dk2"/>
-                </a:solidFill>
-                <a:latin typeface="Barlow SemiBold"/>
-                <a:ea typeface="Barlow SemiBold"/>
-                <a:cs typeface="Barlow SemiBold"/>
-                <a:sym typeface="Barlow SemiBold"/>
-              </a:defRPr>
-            </a:lvl5pPr>
-            <a:lvl6pPr marR="0" lvl="5" algn="ctr" rtl="0">
-              <a:lnSpc>
-                <a:spcPct val="100000"/>
-              </a:lnSpc>
-              <a:spcBef>
-                <a:spcPts val="0"/>
-              </a:spcBef>
-              <a:spcAft>
-                <a:spcPts val="0"/>
-              </a:spcAft>
-              <a:buClr>
-                <a:schemeClr val="dk2"/>
-              </a:buClr>
-              <a:buSzPts val="5200"/>
-              <a:buFont typeface="Barlow SemiBold"/>
-              <a:buNone/>
-              <a:defRPr sz="5200" b="0" i="0" u="none" strike="noStrike" cap="none">
-                <a:solidFill>
-                  <a:schemeClr val="dk2"/>
-                </a:solidFill>
-                <a:latin typeface="Barlow SemiBold"/>
-                <a:ea typeface="Barlow SemiBold"/>
-                <a:cs typeface="Barlow SemiBold"/>
-                <a:sym typeface="Barlow SemiBold"/>
-              </a:defRPr>
-            </a:lvl6pPr>
-            <a:lvl7pPr marR="0" lvl="6" algn="ctr" rtl="0">
-              <a:lnSpc>
-                <a:spcPct val="100000"/>
-              </a:lnSpc>
-              <a:spcBef>
-                <a:spcPts val="0"/>
-              </a:spcBef>
-              <a:spcAft>
-                <a:spcPts val="0"/>
-              </a:spcAft>
-              <a:buClr>
-                <a:schemeClr val="dk2"/>
-              </a:buClr>
-              <a:buSzPts val="5200"/>
-              <a:buFont typeface="Barlow SemiBold"/>
-              <a:buNone/>
-              <a:defRPr sz="5200" b="0" i="0" u="none" strike="noStrike" cap="none">
-                <a:solidFill>
-                  <a:schemeClr val="dk2"/>
-                </a:solidFill>
-                <a:latin typeface="Barlow SemiBold"/>
-                <a:ea typeface="Barlow SemiBold"/>
-                <a:cs typeface="Barlow SemiBold"/>
-                <a:sym typeface="Barlow SemiBold"/>
-              </a:defRPr>
-            </a:lvl7pPr>
-            <a:lvl8pPr marR="0" lvl="7" algn="ctr" rtl="0">
-              <a:lnSpc>
-                <a:spcPct val="100000"/>
-              </a:lnSpc>
-              <a:spcBef>
-                <a:spcPts val="0"/>
-              </a:spcBef>
-              <a:spcAft>
-                <a:spcPts val="0"/>
-              </a:spcAft>
-              <a:buClr>
-                <a:schemeClr val="dk2"/>
-              </a:buClr>
-              <a:buSzPts val="5200"/>
-              <a:buFont typeface="Barlow SemiBold"/>
-              <a:buNone/>
-              <a:defRPr sz="5200" b="0" i="0" u="none" strike="noStrike" cap="none">
-                <a:solidFill>
-                  <a:schemeClr val="dk2"/>
-                </a:solidFill>
-                <a:latin typeface="Barlow SemiBold"/>
-                <a:ea typeface="Barlow SemiBold"/>
-                <a:cs typeface="Barlow SemiBold"/>
-                <a:sym typeface="Barlow SemiBold"/>
-              </a:defRPr>
-            </a:lvl8pPr>
-            <a:lvl9pPr marR="0" lvl="8" algn="ctr" rtl="0">
-              <a:lnSpc>
-                <a:spcPct val="100000"/>
-              </a:lnSpc>
-              <a:spcBef>
-                <a:spcPts val="0"/>
-              </a:spcBef>
-              <a:spcAft>
-                <a:spcPts val="0"/>
-              </a:spcAft>
-              <a:buClr>
-                <a:schemeClr val="dk2"/>
-              </a:buClr>
-              <a:buSzPts val="5200"/>
-              <a:buFont typeface="Barlow SemiBold"/>
-              <a:buNone/>
-              <a:defRPr sz="5200" b="0" i="0" u="none" strike="noStrike" cap="none">
-                <a:solidFill>
-                  <a:schemeClr val="dk2"/>
-                </a:solidFill>
-                <a:latin typeface="Barlow SemiBold"/>
-                <a:ea typeface="Barlow SemiBold"/>
-                <a:cs typeface="Barlow SemiBold"/>
-                <a:sym typeface="Barlow SemiBold"/>
-              </a:defRPr>
-            </a:lvl9pPr>
-          </a:lstStyle>
-          <a:p>
-            <a:pPr marL="0" marR="0" lvl="0" indent="0" algn="l" defTabSz="914400" rtl="0" eaLnBrk="1" fontAlgn="auto" latinLnBrk="0" hangingPunct="1">
-              <a:lnSpc>
-                <a:spcPct val="90000"/>
-              </a:lnSpc>
-              <a:spcBef>
-                <a:spcPts val="0"/>
-              </a:spcBef>
-              <a:spcAft>
-                <a:spcPts val="0"/>
-              </a:spcAft>
-              <a:buClr>
-                <a:srgbClr val="164A4A"/>
-              </a:buClr>
-              <a:buSzPts val="5200"/>
-              <a:buFont typeface="Commissioner"/>
-              <a:buNone/>
-              <a:tabLst/>
-              <a:defRPr/>
-            </a:pPr>
-            <a:r>
-              <a:rPr kumimoji="0" lang="en-US" sz="5000" b="1" i="0" u="none" strike="noStrike" kern="0" cap="none" spc="0" normalizeH="0" baseline="0" noProof="0" dirty="0" err="1">
-                <a:ln>
-                  <a:noFill/>
-                </a:ln>
-                <a:solidFill>
-                  <a:srgbClr val="3D4D55"/>
-                </a:solidFill>
-                <a:effectLst/>
-                <a:uLnTx/>
-                <a:uFillTx/>
-                <a:latin typeface="Arial" panose="020B0604020202020204" pitchFamily="34" charset="0"/>
-                <a:cs typeface="Arial" panose="020B0604020202020204" pitchFamily="34" charset="0"/>
-                <a:sym typeface="Commissioner ExtraBold"/>
-              </a:rPr>
-              <a:t>Demonstração</a:t>
-            </a:r>
-            <a:endParaRPr kumimoji="0" lang="en-US" sz="5000" b="1" i="0" u="none" strike="noStrike" kern="0" cap="none" spc="0" normalizeH="0" baseline="0" noProof="0" dirty="0">
-              <a:ln>
-                <a:noFill/>
-              </a:ln>
-              <a:solidFill>
-                <a:srgbClr val="3D4D55"/>
-              </a:solidFill>
-              <a:effectLst/>
-              <a:uLnTx/>
-              <a:uFillTx/>
-              <a:latin typeface="Arial" panose="020B0604020202020204" pitchFamily="34" charset="0"/>
-              <a:cs typeface="Arial" panose="020B0604020202020204" pitchFamily="34" charset="0"/>
-              <a:sym typeface="Commissioner ExtraBold"/>
-            </a:endParaRPr>
-          </a:p>
-        </p:txBody>
-      </p:sp>
-      <p:sp>
-        <p:nvSpPr>
-          <p:cNvPr id="16" name="Google Shape;1463;p74">
-            <a:extLst>
-              <a:ext uri="{FF2B5EF4-FFF2-40B4-BE49-F238E27FC236}">
-                <a16:creationId xmlns:a16="http://schemas.microsoft.com/office/drawing/2014/main" id="{B2E1E741-343A-E17F-A716-BF7EC1D36A60}"/>
-              </a:ext>
-            </a:extLst>
-          </p:cNvPr>
-          <p:cNvSpPr/>
-          <p:nvPr/>
-        </p:nvSpPr>
-        <p:spPr>
-          <a:xfrm flipH="1">
-            <a:off x="9593942" y="4558296"/>
-            <a:ext cx="2598056" cy="2589989"/>
-          </a:xfrm>
-          <a:custGeom>
-            <a:avLst/>
-            <a:gdLst/>
-            <a:ahLst/>
-            <a:cxnLst/>
-            <a:rect l="l" t="t" r="r" b="b"/>
-            <a:pathLst>
-              <a:path w="119881" h="113309" extrusionOk="0">
-                <a:moveTo>
-                  <a:pt x="20594" y="1"/>
-                </a:moveTo>
-                <a:cubicBezTo>
-                  <a:pt x="16552" y="1"/>
-                  <a:pt x="12368" y="1147"/>
-                  <a:pt x="9149" y="2790"/>
-                </a:cubicBezTo>
-                <a:cubicBezTo>
-                  <a:pt x="5471" y="4675"/>
-                  <a:pt x="1915" y="7836"/>
-                  <a:pt x="0" y="11605"/>
-                </a:cubicBezTo>
-                <a:lnTo>
-                  <a:pt x="0" y="113308"/>
-                </a:lnTo>
-                <a:lnTo>
-                  <a:pt x="117935" y="113308"/>
-                </a:lnTo>
-                <a:cubicBezTo>
-                  <a:pt x="117935" y="113308"/>
-                  <a:pt x="119881" y="98901"/>
-                  <a:pt x="102008" y="94250"/>
-                </a:cubicBezTo>
-                <a:cubicBezTo>
-                  <a:pt x="89485" y="90968"/>
-                  <a:pt x="95139" y="77472"/>
-                  <a:pt x="92190" y="68141"/>
-                </a:cubicBezTo>
-                <a:cubicBezTo>
-                  <a:pt x="88773" y="57366"/>
-                  <a:pt x="78869" y="50808"/>
-                  <a:pt x="68440" y="50808"/>
-                </a:cubicBezTo>
-                <a:cubicBezTo>
-                  <a:pt x="64953" y="50808"/>
-                  <a:pt x="61407" y="51541"/>
-                  <a:pt x="58025" y="53095"/>
-                </a:cubicBezTo>
-                <a:cubicBezTo>
-                  <a:pt x="53166" y="55347"/>
-                  <a:pt x="45940" y="60409"/>
-                  <a:pt x="39678" y="60409"/>
-                </a:cubicBezTo>
-                <a:cubicBezTo>
-                  <a:pt x="37911" y="60409"/>
-                  <a:pt x="36220" y="60005"/>
-                  <a:pt x="34681" y="59022"/>
-                </a:cubicBezTo>
-                <a:cubicBezTo>
-                  <a:pt x="26323" y="53703"/>
-                  <a:pt x="32341" y="38991"/>
-                  <a:pt x="33770" y="31635"/>
-                </a:cubicBezTo>
-                <a:cubicBezTo>
-                  <a:pt x="35381" y="23459"/>
-                  <a:pt x="36900" y="14249"/>
-                  <a:pt x="32858" y="6498"/>
-                </a:cubicBezTo>
-                <a:cubicBezTo>
-                  <a:pt x="30386" y="1757"/>
-                  <a:pt x="25599" y="1"/>
-                  <a:pt x="20594" y="1"/>
-                </a:cubicBezTo>
-                <a:close/>
-              </a:path>
-            </a:pathLst>
-          </a:custGeom>
-          <a:noFill/>
-          <a:ln>
-            <a:solidFill>
-              <a:srgbClr val="3D4D55"/>
-            </a:solidFill>
-          </a:ln>
-        </p:spPr>
-        <p:txBody>
-          <a:bodyPr spcFirstLastPara="1" wrap="square" lIns="91425" tIns="91425" rIns="91425" bIns="91425" anchor="ctr" anchorCtr="0">
-            <a:noAutofit/>
-          </a:bodyPr>
-          <a:lstStyle/>
-          <a:p>
-            <a:pPr marL="0" lvl="0" indent="0" algn="l" rtl="0">
-              <a:spcBef>
-                <a:spcPts val="0"/>
-              </a:spcBef>
-              <a:spcAft>
-                <a:spcPts val="0"/>
-              </a:spcAft>
-              <a:buNone/>
-            </a:pPr>
-            <a:endParaRPr dirty="0"/>
-          </a:p>
-        </p:txBody>
-      </p:sp>
-      <p:sp>
-        <p:nvSpPr>
-          <p:cNvPr id="2" name="Slide Number Placeholder 1">
-            <a:extLst>
-              <a:ext uri="{FF2B5EF4-FFF2-40B4-BE49-F238E27FC236}">
-                <a16:creationId xmlns:a16="http://schemas.microsoft.com/office/drawing/2014/main" id="{EE4468D3-E113-4D57-9D7F-97EA6A08324F}"/>
-              </a:ext>
-            </a:extLst>
-          </p:cNvPr>
-          <p:cNvSpPr>
-            <a:spLocks noGrp="1"/>
-          </p:cNvSpPr>
-          <p:nvPr>
-            <p:ph type="sldNum" sz="quarter" idx="12"/>
-          </p:nvPr>
-        </p:nvSpPr>
-        <p:spPr/>
-        <p:txBody>
-          <a:bodyPr/>
-          <a:lstStyle/>
-          <a:p>
-            <a:fld id="{834E4636-1AC7-4593-8425-9A7E3B693646}" type="slidenum">
-              <a:rPr lang="pt-PT" smtClean="0"/>
-              <a:t>9</a:t>
-            </a:fld>
-            <a:endParaRPr lang="pt-PT"/>
-          </a:p>
-        </p:txBody>
-      </p:sp>
-    </p:spTree>
-    <p:extLst>
-      <p:ext uri="{BB962C8B-B14F-4D97-AF65-F5344CB8AC3E}">
-        <p14:creationId xmlns:p14="http://schemas.microsoft.com/office/powerpoint/2010/main" val="493696768"/>
       </p:ext>
     </p:extLst>
   </p:cSld>
